--- a/docs/part2os/08_IPC/OS_Lecture_08.pptx
+++ b/docs/part2os/08_IPC/OS_Lecture_08.pptx
@@ -154,7 +154,7 @@
   </p:defaultTextStyle>
   <p:extLst>
     <p:ext uri="{EFAFB233-063F-42B5-8137-9DF3F51BA10A}">
-      <p15:sldGuideLst xmlns="" xmlns:p15="http://schemas.microsoft.com/office/powerpoint/2012/main">
+      <p15:sldGuideLst xmlns:p15="http://schemas.microsoft.com/office/powerpoint/2012/main" xmlns="">
         <p15:guide id="1" orient="horz" pos="2160">
           <p15:clr>
             <a:srgbClr val="A4A3A4"/>
@@ -168,7 +168,7 @@
       </p15:sldGuideLst>
     </p:ext>
     <p:ext uri="{2D200454-40CA-4A62-9FC3-DE9A4176ACB9}">
-      <p15:notesGuideLst xmlns="" xmlns:p15="http://schemas.microsoft.com/office/powerpoint/2012/main">
+      <p15:notesGuideLst xmlns:p15="http://schemas.microsoft.com/office/powerpoint/2012/main" xmlns="">
         <p15:guide id="1" orient="horz" pos="2880">
           <p15:clr>
             <a:srgbClr val="A4A3A4"/>
@@ -352,7 +352,7 @@
     </p:spTree>
     <p:extLst>
       <p:ext uri="{BB962C8B-B14F-4D97-AF65-F5344CB8AC3E}">
-        <p14:creationId xmlns="" xmlns:p14="http://schemas.microsoft.com/office/powerpoint/2010/main" val="827279973"/>
+        <p14:creationId xmlns:p14="http://schemas.microsoft.com/office/powerpoint/2010/main" xmlns="" val="827279973"/>
       </p:ext>
     </p:extLst>
   </p:cSld>
@@ -613,7 +613,7 @@
     </p:spTree>
     <p:extLst>
       <p:ext uri="{BB962C8B-B14F-4D97-AF65-F5344CB8AC3E}">
-        <p14:creationId xmlns="" xmlns:p14="http://schemas.microsoft.com/office/powerpoint/2010/main" val="3865021395"/>
+        <p14:creationId xmlns:p14="http://schemas.microsoft.com/office/powerpoint/2010/main" xmlns="" val="3865021395"/>
       </p:ext>
     </p:extLst>
   </p:cSld>
@@ -827,7 +827,7 @@
     </p:spTree>
     <p:extLst>
       <p:ext uri="{BB962C8B-B14F-4D97-AF65-F5344CB8AC3E}">
-        <p14:creationId xmlns="" xmlns:p14="http://schemas.microsoft.com/office/powerpoint/2010/main" val="2381791527"/>
+        <p14:creationId xmlns:p14="http://schemas.microsoft.com/office/powerpoint/2010/main" xmlns="" val="2381791527"/>
       </p:ext>
     </p:extLst>
   </p:cSld>
@@ -3453,7 +3453,7 @@
     </p:spTree>
     <p:extLst>
       <p:ext uri="{BB962C8B-B14F-4D97-AF65-F5344CB8AC3E}">
-        <p14:creationId xmlns="" xmlns:p14="http://schemas.microsoft.com/office/powerpoint/2010/main" val="1915950851"/>
+        <p14:creationId xmlns:p14="http://schemas.microsoft.com/office/powerpoint/2010/main" xmlns="" val="1915950851"/>
       </p:ext>
     </p:extLst>
   </p:cSld>
@@ -4247,7 +4247,7 @@
     </p:spTree>
     <p:extLst>
       <p:ext uri="{BB962C8B-B14F-4D97-AF65-F5344CB8AC3E}">
-        <p14:creationId xmlns="" xmlns:p14="http://schemas.microsoft.com/office/powerpoint/2010/main" val="322455162"/>
+        <p14:creationId xmlns:p14="http://schemas.microsoft.com/office/powerpoint/2010/main" xmlns="" val="322455162"/>
       </p:ext>
     </p:extLst>
   </p:cSld>
@@ -4421,7 +4421,7 @@
     </p:spTree>
     <p:extLst>
       <p:ext uri="{BB962C8B-B14F-4D97-AF65-F5344CB8AC3E}">
-        <p14:creationId xmlns="" xmlns:p14="http://schemas.microsoft.com/office/powerpoint/2010/main" val="971117636"/>
+        <p14:creationId xmlns:p14="http://schemas.microsoft.com/office/powerpoint/2010/main" xmlns="" val="971117636"/>
       </p:ext>
     </p:extLst>
   </p:cSld>
@@ -4598,7 +4598,7 @@
     </p:spTree>
     <p:extLst>
       <p:ext uri="{BB962C8B-B14F-4D97-AF65-F5344CB8AC3E}">
-        <p14:creationId xmlns="" xmlns:p14="http://schemas.microsoft.com/office/powerpoint/2010/main" val="3348877825"/>
+        <p14:creationId xmlns:p14="http://schemas.microsoft.com/office/powerpoint/2010/main" xmlns="" val="3348877825"/>
       </p:ext>
     </p:extLst>
   </p:cSld>
@@ -4923,7 +4923,7 @@
     </p:spTree>
     <p:extLst>
       <p:ext uri="{BB962C8B-B14F-4D97-AF65-F5344CB8AC3E}">
-        <p14:creationId xmlns="" xmlns:p14="http://schemas.microsoft.com/office/powerpoint/2010/main" val="3256953994"/>
+        <p14:creationId xmlns:p14="http://schemas.microsoft.com/office/powerpoint/2010/main" xmlns="" val="3256953994"/>
       </p:ext>
     </p:extLst>
   </p:cSld>
@@ -5173,7 +5173,7 @@
     </p:spTree>
     <p:extLst>
       <p:ext uri="{BB962C8B-B14F-4D97-AF65-F5344CB8AC3E}">
-        <p14:creationId xmlns="" xmlns:p14="http://schemas.microsoft.com/office/powerpoint/2010/main" val="3067076846"/>
+        <p14:creationId xmlns:p14="http://schemas.microsoft.com/office/powerpoint/2010/main" xmlns="" val="3067076846"/>
       </p:ext>
     </p:extLst>
   </p:cSld>
@@ -5409,7 +5409,7 @@
     </p:spTree>
     <p:extLst>
       <p:ext uri="{BB962C8B-B14F-4D97-AF65-F5344CB8AC3E}">
-        <p14:creationId xmlns="" xmlns:p14="http://schemas.microsoft.com/office/powerpoint/2010/main" val="3710015975"/>
+        <p14:creationId xmlns:p14="http://schemas.microsoft.com/office/powerpoint/2010/main" xmlns="" val="3710015975"/>
       </p:ext>
     </p:extLst>
   </p:cSld>
@@ -5780,7 +5780,7 @@
     </p:spTree>
     <p:extLst>
       <p:ext uri="{BB962C8B-B14F-4D97-AF65-F5344CB8AC3E}">
-        <p14:creationId xmlns="" xmlns:p14="http://schemas.microsoft.com/office/powerpoint/2010/main" val="4075590966"/>
+        <p14:creationId xmlns:p14="http://schemas.microsoft.com/office/powerpoint/2010/main" xmlns="" val="4075590966"/>
       </p:ext>
     </p:extLst>
   </p:cSld>
@@ -5902,7 +5902,7 @@
     </p:spTree>
     <p:extLst>
       <p:ext uri="{BB962C8B-B14F-4D97-AF65-F5344CB8AC3E}">
-        <p14:creationId xmlns="" xmlns:p14="http://schemas.microsoft.com/office/powerpoint/2010/main" val="2889604898"/>
+        <p14:creationId xmlns:p14="http://schemas.microsoft.com/office/powerpoint/2010/main" xmlns="" val="2889604898"/>
       </p:ext>
     </p:extLst>
   </p:cSld>
@@ -6001,7 +6001,7 @@
     </p:spTree>
     <p:extLst>
       <p:ext uri="{BB962C8B-B14F-4D97-AF65-F5344CB8AC3E}">
-        <p14:creationId xmlns="" xmlns:p14="http://schemas.microsoft.com/office/powerpoint/2010/main" val="152384765"/>
+        <p14:creationId xmlns:p14="http://schemas.microsoft.com/office/powerpoint/2010/main" xmlns="" val="152384765"/>
       </p:ext>
     </p:extLst>
   </p:cSld>
@@ -6282,7 +6282,7 @@
     </p:spTree>
     <p:extLst>
       <p:ext uri="{BB962C8B-B14F-4D97-AF65-F5344CB8AC3E}">
-        <p14:creationId xmlns="" xmlns:p14="http://schemas.microsoft.com/office/powerpoint/2010/main" val="2127791886"/>
+        <p14:creationId xmlns:p14="http://schemas.microsoft.com/office/powerpoint/2010/main" xmlns="" val="2127791886"/>
       </p:ext>
     </p:extLst>
   </p:cSld>
@@ -6539,7 +6539,7 @@
     </p:spTree>
     <p:extLst>
       <p:ext uri="{BB962C8B-B14F-4D97-AF65-F5344CB8AC3E}">
-        <p14:creationId xmlns="" xmlns:p14="http://schemas.microsoft.com/office/powerpoint/2010/main" val="1752705130"/>
+        <p14:creationId xmlns:p14="http://schemas.microsoft.com/office/powerpoint/2010/main" xmlns="" val="1752705130"/>
       </p:ext>
     </p:extLst>
   </p:cSld>
@@ -6792,7 +6792,7 @@
     </p:spTree>
     <p:extLst>
       <p:ext uri="{BB962C8B-B14F-4D97-AF65-F5344CB8AC3E}">
-        <p14:creationId xmlns="" xmlns:p14="http://schemas.microsoft.com/office/powerpoint/2010/main" val="968833914"/>
+        <p14:creationId xmlns:p14="http://schemas.microsoft.com/office/powerpoint/2010/main" xmlns="" val="968833914"/>
       </p:ext>
     </p:extLst>
   </p:cSld>
@@ -7282,7 +7282,7 @@
     </p:spTree>
     <p:extLst>
       <p:ext uri="{BB962C8B-B14F-4D97-AF65-F5344CB8AC3E}">
-        <p14:creationId xmlns="" xmlns:p14="http://schemas.microsoft.com/office/powerpoint/2010/main" val="2492894732"/>
+        <p14:creationId xmlns:p14="http://schemas.microsoft.com/office/powerpoint/2010/main" xmlns="" val="2492894732"/>
       </p:ext>
     </p:extLst>
   </p:cSld>
@@ -7318,19 +7318,187 @@
       </p:grpSpPr>
       <p:sp>
         <p:nvSpPr>
+          <p:cNvPr id="21509" name="Rectangle 3"/>
+          <p:cNvSpPr>
+            <a:spLocks noGrp="1" noChangeArrowheads="1"/>
+          </p:cNvSpPr>
+          <p:nvPr>
+            <p:ph idx="1"/>
+          </p:nvPr>
+        </p:nvSpPr>
+        <p:spPr>
+          <a:xfrm>
+            <a:off x="878306" y="1215189"/>
+            <a:ext cx="10538996" cy="4866524"/>
+          </a:xfrm>
+        </p:spPr>
+        <p:txBody>
+          <a:bodyPr/>
+          <a:lstStyle/>
+          <a:p>
+            <a:pPr>
+              <a:buFont typeface="Monotype Sorts" pitchFamily="-84" charset="2"/>
+              <a:buNone/>
+            </a:pPr>
+            <a:r>
+              <a:rPr lang="en-US" altLang="en-US" sz="4800" b="1" dirty="0" smtClean="0">
+                <a:solidFill>
+                  <a:srgbClr val="1E3272"/>
+                </a:solidFill>
+                <a:latin typeface="Courier New" pitchFamily="49" charset="0"/>
+                <a:cs typeface="Courier New" pitchFamily="49" charset="0"/>
+              </a:rPr>
+              <a:t>	</a:t>
+            </a:r>
+            <a:r>
+              <a:rPr lang="en-US" altLang="en-US" sz="2400" b="1" dirty="0" smtClean="0">
+                <a:solidFill>
+                  <a:srgbClr val="1E3272"/>
+                </a:solidFill>
+                <a:latin typeface="Courier New" pitchFamily="49" charset="0"/>
+                <a:cs typeface="Courier New" pitchFamily="49" charset="0"/>
+              </a:rPr>
+              <a:t>do { </a:t>
+            </a:r>
+          </a:p>
+          <a:p>
+            <a:pPr>
+              <a:buFont typeface="Monotype Sorts" pitchFamily="-84" charset="2"/>
+              <a:buNone/>
+            </a:pPr>
+            <a:r>
+              <a:rPr lang="en-US" altLang="en-US" sz="2400" b="1" dirty="0" smtClean="0">
+                <a:solidFill>
+                  <a:srgbClr val="1E3272"/>
+                </a:solidFill>
+                <a:latin typeface="Courier New" pitchFamily="49" charset="0"/>
+                <a:cs typeface="Courier New" pitchFamily="49" charset="0"/>
+              </a:rPr>
+              <a:t>		while (turn == j); </a:t>
+            </a:r>
+          </a:p>
+          <a:p>
+            <a:pPr>
+              <a:buFont typeface="Monotype Sorts" pitchFamily="-84" charset="2"/>
+              <a:buNone/>
+            </a:pPr>
+            <a:endParaRPr lang="en-US" altLang="en-US" sz="700" b="1" dirty="0" smtClean="0">
+              <a:solidFill>
+                <a:srgbClr val="1E3272"/>
+              </a:solidFill>
+              <a:latin typeface="Courier New" pitchFamily="49" charset="0"/>
+              <a:cs typeface="Courier New" pitchFamily="49" charset="0"/>
+            </a:endParaRPr>
+          </a:p>
+          <a:p>
+            <a:pPr>
+              <a:buFont typeface="Monotype Sorts" pitchFamily="-84" charset="2"/>
+              <a:buNone/>
+            </a:pPr>
+            <a:r>
+              <a:rPr lang="en-US" altLang="en-US" sz="2400" b="1" dirty="0" smtClean="0">
+                <a:solidFill>
+                  <a:srgbClr val="1E3272"/>
+                </a:solidFill>
+                <a:latin typeface="Courier New" pitchFamily="49" charset="0"/>
+                <a:cs typeface="Courier New" pitchFamily="49" charset="0"/>
+              </a:rPr>
+              <a:t>			critical section </a:t>
+            </a:r>
+          </a:p>
+          <a:p>
+            <a:pPr>
+              <a:buFont typeface="Monotype Sorts" pitchFamily="-84" charset="2"/>
+              <a:buNone/>
+            </a:pPr>
+            <a:r>
+              <a:rPr lang="en-US" altLang="en-US" sz="2400" b="1" dirty="0" smtClean="0">
+                <a:solidFill>
+                  <a:srgbClr val="1E3272"/>
+                </a:solidFill>
+                <a:latin typeface="Courier New" pitchFamily="49" charset="0"/>
+                <a:cs typeface="Courier New" pitchFamily="49" charset="0"/>
+              </a:rPr>
+              <a:t>		turn = j; </a:t>
+            </a:r>
+          </a:p>
+          <a:p>
+            <a:pPr>
+              <a:buFont typeface="Monotype Sorts" pitchFamily="-84" charset="2"/>
+              <a:buNone/>
+            </a:pPr>
+            <a:endParaRPr lang="en-US" altLang="en-US" sz="700" b="1" dirty="0" smtClean="0">
+              <a:solidFill>
+                <a:srgbClr val="1E3272"/>
+              </a:solidFill>
+              <a:latin typeface="Courier New" pitchFamily="49" charset="0"/>
+              <a:cs typeface="Courier New" pitchFamily="49" charset="0"/>
+            </a:endParaRPr>
+          </a:p>
+          <a:p>
+            <a:pPr>
+              <a:buFont typeface="Monotype Sorts" pitchFamily="-84" charset="2"/>
+              <a:buNone/>
+            </a:pPr>
+            <a:r>
+              <a:rPr lang="en-US" altLang="en-US" sz="2400" b="1" dirty="0" smtClean="0">
+                <a:solidFill>
+                  <a:srgbClr val="1E3272"/>
+                </a:solidFill>
+                <a:latin typeface="Courier New" pitchFamily="49" charset="0"/>
+                <a:cs typeface="Courier New" pitchFamily="49" charset="0"/>
+              </a:rPr>
+              <a:t>			remainder section </a:t>
+            </a:r>
+          </a:p>
+          <a:p>
+            <a:pPr>
+              <a:buFont typeface="Monotype Sorts" pitchFamily="-84" charset="2"/>
+              <a:buNone/>
+            </a:pPr>
+            <a:r>
+              <a:rPr lang="en-US" altLang="en-US" sz="2400" b="1" dirty="0" smtClean="0">
+                <a:solidFill>
+                  <a:srgbClr val="1E3272"/>
+                </a:solidFill>
+                <a:latin typeface="Courier New" pitchFamily="49" charset="0"/>
+                <a:cs typeface="Courier New" pitchFamily="49" charset="0"/>
+              </a:rPr>
+              <a:t>	 } while (true); </a:t>
+            </a:r>
+          </a:p>
+          <a:p>
+            <a:pPr>
+              <a:buFont typeface="Monotype Sorts" pitchFamily="-84" charset="2"/>
+              <a:buNone/>
+            </a:pPr>
+            <a:endParaRPr lang="en-US" altLang="en-US" sz="1600" dirty="0" smtClean="0">
+              <a:solidFill>
+                <a:srgbClr val="0000FF"/>
+              </a:solidFill>
+            </a:endParaRPr>
+          </a:p>
+        </p:txBody>
+      </p:sp>
+      <p:sp>
+        <p:nvSpPr>
           <p:cNvPr id="6" name="Rectangle 5"/>
           <p:cNvSpPr/>
           <p:nvPr/>
         </p:nvSpPr>
         <p:spPr bwMode="auto">
           <a:xfrm>
-            <a:off x="2372784" y="1965325"/>
-            <a:ext cx="3028949" cy="427038"/>
+            <a:off x="2697630" y="3770058"/>
+            <a:ext cx="3582848" cy="513180"/>
           </a:xfrm>
           <a:prstGeom prst="rect">
             <a:avLst/>
           </a:prstGeom>
-          <a:ln>
+          <a:noFill/>
+          <a:ln w="38100">
+            <a:solidFill>
+              <a:srgbClr val="F7B217"/>
+            </a:solidFill>
             <a:headEnd type="none" w="med" len="med"/>
             <a:tailEnd type="none" w="med" len="med"/>
           </a:ln>
@@ -7375,13 +7543,17 @@
         </p:nvSpPr>
         <p:spPr bwMode="auto">
           <a:xfrm>
-            <a:off x="2393952" y="2809876"/>
-            <a:ext cx="1604433" cy="377825"/>
+            <a:off x="2694733" y="2641432"/>
+            <a:ext cx="3573711" cy="510839"/>
           </a:xfrm>
           <a:prstGeom prst="rect">
             <a:avLst/>
           </a:prstGeom>
-          <a:ln>
+          <a:noFill/>
+          <a:ln w="38100">
+            <a:solidFill>
+              <a:srgbClr val="F7B217"/>
+            </a:solidFill>
             <a:headEnd type="none" w="med" len="med"/>
             <a:tailEnd type="none" w="med" len="med"/>
           </a:ln>
@@ -7453,186 +7625,6 @@
               </a:rPr>
               <a:t>i</a:t>
             </a:r>
-          </a:p>
-        </p:txBody>
-      </p:sp>
-      <p:sp>
-        <p:nvSpPr>
-          <p:cNvPr id="21509" name="Rectangle 3"/>
-          <p:cNvSpPr>
-            <a:spLocks noGrp="1" noChangeArrowheads="1"/>
-          </p:cNvSpPr>
-          <p:nvPr>
-            <p:ph idx="1"/>
-          </p:nvPr>
-        </p:nvSpPr>
-        <p:spPr>
-          <a:xfrm>
-            <a:off x="1094318" y="1311275"/>
-            <a:ext cx="10322983" cy="4770438"/>
-          </a:xfrm>
-        </p:spPr>
-        <p:txBody>
-          <a:bodyPr/>
-          <a:lstStyle/>
-          <a:p>
-            <a:pPr>
-              <a:buFont typeface="Monotype Sorts" pitchFamily="-84" charset="2"/>
-              <a:buNone/>
-            </a:pPr>
-            <a:r>
-              <a:rPr lang="en-US" altLang="en-US" b="1" dirty="0" smtClean="0">
-                <a:solidFill>
-                  <a:srgbClr val="000000"/>
-                </a:solidFill>
-                <a:latin typeface="Courier New" pitchFamily="49" charset="0"/>
-                <a:cs typeface="Courier New" pitchFamily="49" charset="0"/>
-              </a:rPr>
-              <a:t>	</a:t>
-            </a:r>
-            <a:r>
-              <a:rPr lang="en-US" altLang="en-US" sz="1600" b="1" dirty="0" smtClean="0">
-                <a:solidFill>
-                  <a:srgbClr val="000000"/>
-                </a:solidFill>
-                <a:latin typeface="Courier New" pitchFamily="49" charset="0"/>
-                <a:cs typeface="Courier New" pitchFamily="49" charset="0"/>
-              </a:rPr>
-              <a:t>do { </a:t>
-            </a:r>
-          </a:p>
-          <a:p>
-            <a:pPr>
-              <a:buFont typeface="Monotype Sorts" pitchFamily="-84" charset="2"/>
-              <a:buNone/>
-            </a:pPr>
-            <a:r>
-              <a:rPr lang="en-US" altLang="en-US" sz="1600" b="1" dirty="0" smtClean="0">
-                <a:solidFill>
-                  <a:srgbClr val="000000"/>
-                </a:solidFill>
-                <a:latin typeface="Courier New" pitchFamily="49" charset="0"/>
-                <a:cs typeface="Courier New" pitchFamily="49" charset="0"/>
-              </a:rPr>
-              <a:t>		</a:t>
-            </a:r>
-          </a:p>
-          <a:p>
-            <a:pPr>
-              <a:buFont typeface="Monotype Sorts" pitchFamily="-84" charset="2"/>
-              <a:buNone/>
-            </a:pPr>
-            <a:r>
-              <a:rPr lang="en-US" altLang="en-US" sz="1600" b="1" dirty="0" smtClean="0">
-                <a:solidFill>
-                  <a:srgbClr val="000000"/>
-                </a:solidFill>
-                <a:latin typeface="Courier New" pitchFamily="49" charset="0"/>
-                <a:cs typeface="Courier New" pitchFamily="49" charset="0"/>
-              </a:rPr>
-              <a:t>		while (turn == j); </a:t>
-            </a:r>
-          </a:p>
-          <a:p>
-            <a:pPr>
-              <a:buFont typeface="Monotype Sorts" pitchFamily="-84" charset="2"/>
-              <a:buNone/>
-            </a:pPr>
-            <a:endParaRPr lang="en-US" altLang="en-US" sz="400" b="1" dirty="0" smtClean="0">
-              <a:solidFill>
-                <a:srgbClr val="000000"/>
-              </a:solidFill>
-              <a:latin typeface="Courier New" pitchFamily="49" charset="0"/>
-              <a:cs typeface="Courier New" pitchFamily="49" charset="0"/>
-            </a:endParaRPr>
-          </a:p>
-          <a:p>
-            <a:pPr>
-              <a:buFont typeface="Monotype Sorts" pitchFamily="-84" charset="2"/>
-              <a:buNone/>
-            </a:pPr>
-            <a:r>
-              <a:rPr lang="en-US" altLang="en-US" sz="1600" b="1" dirty="0" smtClean="0">
-                <a:solidFill>
-                  <a:srgbClr val="000000"/>
-                </a:solidFill>
-                <a:latin typeface="Courier New" pitchFamily="49" charset="0"/>
-                <a:cs typeface="Courier New" pitchFamily="49" charset="0"/>
-              </a:rPr>
-              <a:t>			critical section </a:t>
-            </a:r>
-          </a:p>
-          <a:p>
-            <a:pPr>
-              <a:buFont typeface="Monotype Sorts" pitchFamily="-84" charset="2"/>
-              <a:buNone/>
-            </a:pPr>
-            <a:r>
-              <a:rPr lang="en-US" altLang="en-US" sz="1600" b="1" dirty="0" smtClean="0">
-                <a:solidFill>
-                  <a:srgbClr val="000000"/>
-                </a:solidFill>
-                <a:latin typeface="Courier New" pitchFamily="49" charset="0"/>
-                <a:cs typeface="Courier New" pitchFamily="49" charset="0"/>
-              </a:rPr>
-              <a:t>		turn = j; </a:t>
-            </a:r>
-          </a:p>
-          <a:p>
-            <a:pPr>
-              <a:buFont typeface="Monotype Sorts" pitchFamily="-84" charset="2"/>
-              <a:buNone/>
-            </a:pPr>
-            <a:endParaRPr lang="en-US" altLang="en-US" sz="400" b="1" dirty="0" smtClean="0">
-              <a:solidFill>
-                <a:srgbClr val="000000"/>
-              </a:solidFill>
-              <a:latin typeface="Courier New" pitchFamily="49" charset="0"/>
-              <a:cs typeface="Courier New" pitchFamily="49" charset="0"/>
-            </a:endParaRPr>
-          </a:p>
-          <a:p>
-            <a:pPr>
-              <a:buFont typeface="Monotype Sorts" pitchFamily="-84" charset="2"/>
-              <a:buNone/>
-            </a:pPr>
-            <a:r>
-              <a:rPr lang="en-US" altLang="en-US" sz="1600" b="1" dirty="0" smtClean="0">
-                <a:solidFill>
-                  <a:srgbClr val="000000"/>
-                </a:solidFill>
-                <a:latin typeface="Courier New" pitchFamily="49" charset="0"/>
-                <a:cs typeface="Courier New" pitchFamily="49" charset="0"/>
-              </a:rPr>
-              <a:t>			remainder section </a:t>
-            </a:r>
-          </a:p>
-          <a:p>
-            <a:pPr>
-              <a:buFont typeface="Monotype Sorts" pitchFamily="-84" charset="2"/>
-              <a:buNone/>
-            </a:pPr>
-            <a:r>
-              <a:rPr lang="en-US" altLang="en-US" sz="1600" b="1" dirty="0" smtClean="0">
-                <a:solidFill>
-                  <a:srgbClr val="000000"/>
-                </a:solidFill>
-                <a:latin typeface="Courier New" pitchFamily="49" charset="0"/>
-                <a:cs typeface="Courier New" pitchFamily="49" charset="0"/>
-              </a:rPr>
-              <a:t>	 } while (true); </a:t>
-            </a:r>
-          </a:p>
-          <a:p>
-            <a:pPr>
-              <a:buFont typeface="Monotype Sorts" pitchFamily="-84" charset="2"/>
-              <a:buNone/>
-            </a:pPr>
-            <a:endParaRPr lang="en-US" altLang="en-US" sz="1600" dirty="0" smtClean="0">
-              <a:solidFill>
-                <a:srgbClr val="0000FF"/>
-              </a:solidFill>
-            </a:endParaRPr>
           </a:p>
         </p:txBody>
       </p:sp>
@@ -7765,7 +7757,7 @@
             <a:r>
               <a:rPr lang="en-US" altLang="en-US" b="1" dirty="0" smtClean="0">
                 <a:solidFill>
-                  <a:srgbClr val="3366FF"/>
+                  <a:srgbClr val="F7B217"/>
                 </a:solidFill>
               </a:rPr>
               <a:t>Mutual Exclusion </a:t>
@@ -7807,7 +7799,7 @@
             <a:r>
               <a:rPr lang="en-US" altLang="en-US" b="1" dirty="0" smtClean="0">
                 <a:solidFill>
-                  <a:srgbClr val="3366FF"/>
+                  <a:srgbClr val="F7B217"/>
                 </a:solidFill>
               </a:rPr>
               <a:t>Progress</a:t>
@@ -7833,7 +7825,7 @@
             <a:r>
               <a:rPr lang="en-US" altLang="en-US" b="1" dirty="0" smtClean="0">
                 <a:solidFill>
-                  <a:srgbClr val="3366FF"/>
+                  <a:srgbClr val="F7B217"/>
                 </a:solidFill>
               </a:rPr>
               <a:t>Bounded Waiting </a:t>
@@ -8032,7 +8024,7 @@
             <a:r>
               <a:rPr lang="en-US" altLang="en-US" b="1" dirty="0" smtClean="0">
                 <a:solidFill>
-                  <a:srgbClr val="3366FF"/>
+                  <a:srgbClr val="F7B217"/>
                 </a:solidFill>
               </a:rPr>
               <a:t>Preemptive</a:t>
@@ -8053,10 +8045,18 @@
             <a:r>
               <a:rPr lang="en-US" altLang="en-US" b="1" dirty="0" smtClean="0">
                 <a:solidFill>
+                  <a:srgbClr val="F7B217"/>
+                </a:solidFill>
+              </a:rPr>
+              <a:t>Non-preemptive</a:t>
+            </a:r>
+            <a:r>
+              <a:rPr lang="en-US" altLang="en-US" b="1" dirty="0" smtClean="0">
+                <a:solidFill>
                   <a:srgbClr val="3366FF"/>
                 </a:solidFill>
               </a:rPr>
-              <a:t>Non-preemptive </a:t>
+              <a:t> </a:t>
             </a:r>
             <a:r>
               <a:rPr lang="en-US" altLang="en-US" dirty="0" smtClean="0"/>
@@ -8162,7 +8162,15 @@
             </a:r>
             <a:r>
               <a:rPr lang="en-US" altLang="ja-JP" dirty="0" smtClean="0"/>
-              <a:t>s Solution</a:t>
+              <a:t>s </a:t>
+            </a:r>
+            <a:r>
+              <a:rPr lang="ru-RU" altLang="ja-JP" dirty="0" smtClean="0"/>
+              <a:t> </a:t>
+            </a:r>
+            <a:r>
+              <a:rPr lang="en-US" altLang="ja-JP" dirty="0" smtClean="0"/>
+              <a:t>Solution</a:t>
             </a:r>
             <a:endParaRPr lang="en-US" altLang="en-US" dirty="0" smtClean="0"/>
           </a:p>
@@ -10507,8 +10515,6 @@
               <a:lnSpc>
                 <a:spcPct val="90000"/>
               </a:lnSpc>
-              <a:buFont typeface="Monotype Sorts" charset="0"/>
-              <a:buChar char="n"/>
               <a:tabLst>
                 <a:tab pos="742278" algn="l"/>
                 <a:tab pos="1023411" algn="l"/>
@@ -10554,8 +10560,6 @@
               <a:lnSpc>
                 <a:spcPct val="90000"/>
               </a:lnSpc>
-              <a:buFont typeface="Monotype Sorts" charset="0"/>
-              <a:buChar char="n"/>
               <a:tabLst>
                 <a:tab pos="742278" algn="l"/>
                 <a:tab pos="1023411" algn="l"/>
@@ -11138,91 +11142,91 @@
               </a:tabLst>
             </a:pPr>
             <a:r>
-              <a:rPr lang="en-US" altLang="en-US" sz="1400" b="1" dirty="0" smtClean="0">
+              <a:rPr lang="en-US" altLang="en-US" sz="1700" b="1" dirty="0" smtClean="0">
                 <a:latin typeface="Courier New" pitchFamily="49" charset="0"/>
                 <a:cs typeface="Courier New" pitchFamily="49" charset="0"/>
               </a:rPr>
               <a:t>     </a:t>
             </a:r>
             <a:r>
-              <a:rPr lang="en-US" altLang="en-US" sz="1400" b="1" dirty="0" err="1" smtClean="0">
+              <a:rPr lang="en-US" altLang="en-US" sz="1700" b="1" dirty="0" err="1" smtClean="0">
                 <a:latin typeface="Courier New" pitchFamily="49" charset="0"/>
                 <a:cs typeface="Courier New" pitchFamily="49" charset="0"/>
               </a:rPr>
               <a:t>int</a:t>
             </a:r>
             <a:r>
-              <a:rPr lang="en-US" altLang="en-US" sz="1400" b="1" dirty="0" smtClean="0">
+              <a:rPr lang="en-US" altLang="en-US" sz="1700" b="1" dirty="0" smtClean="0">
                 <a:latin typeface="Courier New" pitchFamily="49" charset="0"/>
                 <a:cs typeface="Courier New" pitchFamily="49" charset="0"/>
               </a:rPr>
               <a:t> compare _</a:t>
             </a:r>
             <a:r>
-              <a:rPr lang="en-US" altLang="en-US" sz="1400" b="1" dirty="0" err="1" smtClean="0">
+              <a:rPr lang="en-US" altLang="en-US" sz="1700" b="1" dirty="0" err="1" smtClean="0">
                 <a:latin typeface="Courier New" pitchFamily="49" charset="0"/>
                 <a:cs typeface="Courier New" pitchFamily="49" charset="0"/>
               </a:rPr>
               <a:t>and_swap</a:t>
             </a:r>
             <a:r>
-              <a:rPr lang="en-US" altLang="en-US" sz="1400" b="1" dirty="0" smtClean="0">
+              <a:rPr lang="en-US" altLang="en-US" sz="1700" b="1" dirty="0" smtClean="0">
                 <a:latin typeface="Courier New" pitchFamily="49" charset="0"/>
                 <a:cs typeface="Courier New" pitchFamily="49" charset="0"/>
               </a:rPr>
               <a:t>(</a:t>
             </a:r>
             <a:r>
-              <a:rPr lang="en-US" altLang="en-US" sz="1400" b="1" dirty="0" err="1" smtClean="0">
+              <a:rPr lang="en-US" altLang="en-US" sz="1700" b="1" dirty="0" err="1" smtClean="0">
                 <a:latin typeface="Courier New" pitchFamily="49" charset="0"/>
                 <a:cs typeface="Courier New" pitchFamily="49" charset="0"/>
               </a:rPr>
               <a:t>int</a:t>
             </a:r>
             <a:r>
-              <a:rPr lang="en-US" altLang="en-US" sz="1400" b="1" dirty="0" smtClean="0">
+              <a:rPr lang="en-US" altLang="en-US" sz="1700" b="1" dirty="0" smtClean="0">
                 <a:latin typeface="Courier New" pitchFamily="49" charset="0"/>
                 <a:cs typeface="Courier New" pitchFamily="49" charset="0"/>
               </a:rPr>
               <a:t> *value, </a:t>
             </a:r>
             <a:r>
-              <a:rPr lang="en-US" altLang="en-US" sz="1400" b="1" dirty="0" err="1" smtClean="0">
+              <a:rPr lang="en-US" altLang="en-US" sz="1700" b="1" dirty="0" err="1" smtClean="0">
                 <a:latin typeface="Courier New" pitchFamily="49" charset="0"/>
                 <a:cs typeface="Courier New" pitchFamily="49" charset="0"/>
               </a:rPr>
               <a:t>int</a:t>
             </a:r>
             <a:r>
-              <a:rPr lang="en-US" altLang="en-US" sz="1400" b="1" dirty="0" smtClean="0">
+              <a:rPr lang="en-US" altLang="en-US" sz="1700" b="1" dirty="0" smtClean="0">
                 <a:latin typeface="Courier New" pitchFamily="49" charset="0"/>
                 <a:cs typeface="Courier New" pitchFamily="49" charset="0"/>
               </a:rPr>
               <a:t> expected, </a:t>
             </a:r>
             <a:r>
-              <a:rPr lang="en-US" altLang="en-US" sz="1400" b="1" dirty="0" err="1" smtClean="0">
+              <a:rPr lang="en-US" altLang="en-US" sz="1700" b="1" dirty="0" err="1" smtClean="0">
                 <a:latin typeface="Courier New" pitchFamily="49" charset="0"/>
                 <a:cs typeface="Courier New" pitchFamily="49" charset="0"/>
               </a:rPr>
               <a:t>int</a:t>
             </a:r>
             <a:r>
-              <a:rPr lang="en-US" altLang="en-US" sz="1400" b="1" dirty="0" smtClean="0">
+              <a:rPr lang="en-US" altLang="en-US" sz="1700" b="1" dirty="0" smtClean="0">
                 <a:latin typeface="Courier New" pitchFamily="49" charset="0"/>
                 <a:cs typeface="Courier New" pitchFamily="49" charset="0"/>
               </a:rPr>
               <a:t> </a:t>
             </a:r>
             <a:r>
-              <a:rPr lang="en-US" altLang="en-US" sz="1400" b="1" dirty="0" err="1" smtClean="0">
+              <a:rPr lang="en-US" altLang="en-US" sz="1700" b="1" dirty="0" err="1" smtClean="0">
                 <a:latin typeface="Courier New" pitchFamily="49" charset="0"/>
                 <a:cs typeface="Courier New" pitchFamily="49" charset="0"/>
               </a:rPr>
               <a:t>new_value</a:t>
             </a:r>
             <a:r>
-              <a:rPr lang="en-US" altLang="en-US" sz="1400" b="1" dirty="0" smtClean="0">
+              <a:rPr lang="en-US" altLang="en-US" sz="1700" b="1" dirty="0" smtClean="0">
                 <a:latin typeface="Courier New" pitchFamily="49" charset="0"/>
                 <a:cs typeface="Courier New" pitchFamily="49" charset="0"/>
               </a:rPr>
@@ -11240,21 +11244,21 @@
               </a:tabLst>
             </a:pPr>
             <a:r>
-              <a:rPr lang="en-US" altLang="en-US" sz="1400" b="1" dirty="0" smtClean="0">
+              <a:rPr lang="en-US" altLang="en-US" sz="1700" b="1" dirty="0" smtClean="0">
                 <a:latin typeface="Courier New" pitchFamily="49" charset="0"/>
                 <a:cs typeface="Courier New" pitchFamily="49" charset="0"/>
               </a:rPr>
               <a:t>         </a:t>
             </a:r>
             <a:r>
-              <a:rPr lang="en-US" altLang="en-US" sz="1400" b="1" dirty="0" err="1" smtClean="0">
+              <a:rPr lang="en-US" altLang="en-US" sz="1700" b="1" dirty="0" err="1" smtClean="0">
                 <a:latin typeface="Courier New" pitchFamily="49" charset="0"/>
                 <a:cs typeface="Courier New" pitchFamily="49" charset="0"/>
               </a:rPr>
               <a:t>int</a:t>
             </a:r>
             <a:r>
-              <a:rPr lang="en-US" altLang="en-US" sz="1400" b="1" dirty="0" smtClean="0">
+              <a:rPr lang="en-US" altLang="en-US" sz="1700" b="1" dirty="0" smtClean="0">
                 <a:latin typeface="Courier New" pitchFamily="49" charset="0"/>
                 <a:cs typeface="Courier New" pitchFamily="49" charset="0"/>
               </a:rPr>
@@ -11271,10 +11275,13 @@
                 <a:tab pos="1258888" algn="l"/>
               </a:tabLst>
             </a:pPr>
-            <a:endParaRPr lang="en-US" altLang="en-US" sz="1400" b="1" dirty="0" smtClean="0">
-              <a:latin typeface="Courier New" pitchFamily="49" charset="0"/>
-              <a:cs typeface="Courier New" pitchFamily="49" charset="0"/>
-            </a:endParaRPr>
+            <a:r>
+              <a:rPr lang="en-US" altLang="en-US" sz="1700" b="1" dirty="0" smtClean="0">
+                <a:latin typeface="Courier New" pitchFamily="49" charset="0"/>
+                <a:cs typeface="Courier New" pitchFamily="49" charset="0"/>
+              </a:rPr>
+              <a:t>         if (*value == expected) </a:t>
+            </a:r>
           </a:p>
           <a:p>
             <a:pPr>
@@ -11287,11 +11294,25 @@
               </a:tabLst>
             </a:pPr>
             <a:r>
-              <a:rPr lang="en-US" altLang="en-US" sz="1400" b="1" dirty="0" smtClean="0">
-                <a:latin typeface="Courier New" pitchFamily="49" charset="0"/>
-                <a:cs typeface="Courier New" pitchFamily="49" charset="0"/>
-              </a:rPr>
-              <a:t>         if (*value == expected) </a:t>
+              <a:rPr lang="en-US" altLang="en-US" sz="1700" b="1" dirty="0" smtClean="0">
+                <a:latin typeface="Courier New" pitchFamily="49" charset="0"/>
+                <a:cs typeface="Courier New" pitchFamily="49" charset="0"/>
+              </a:rPr>
+              <a:t>            *value = </a:t>
+            </a:r>
+            <a:r>
+              <a:rPr lang="en-US" altLang="en-US" sz="1700" b="1" dirty="0" err="1" smtClean="0">
+                <a:latin typeface="Courier New" pitchFamily="49" charset="0"/>
+                <a:cs typeface="Courier New" pitchFamily="49" charset="0"/>
+              </a:rPr>
+              <a:t>new_value</a:t>
+            </a:r>
+            <a:r>
+              <a:rPr lang="en-US" altLang="en-US" sz="1700" b="1" dirty="0" smtClean="0">
+                <a:latin typeface="Courier New" pitchFamily="49" charset="0"/>
+                <a:cs typeface="Courier New" pitchFamily="49" charset="0"/>
+              </a:rPr>
+              <a:t>; </a:t>
             </a:r>
           </a:p>
           <a:p>
@@ -11305,25 +11326,11 @@
               </a:tabLst>
             </a:pPr>
             <a:r>
-              <a:rPr lang="en-US" altLang="en-US" sz="1400" b="1" dirty="0" smtClean="0">
-                <a:latin typeface="Courier New" pitchFamily="49" charset="0"/>
-                <a:cs typeface="Courier New" pitchFamily="49" charset="0"/>
-              </a:rPr>
-              <a:t>            *value = </a:t>
-            </a:r>
-            <a:r>
-              <a:rPr lang="en-US" altLang="en-US" sz="1400" b="1" dirty="0" err="1" smtClean="0">
-                <a:latin typeface="Courier New" pitchFamily="49" charset="0"/>
-                <a:cs typeface="Courier New" pitchFamily="49" charset="0"/>
-              </a:rPr>
-              <a:t>new_value</a:t>
-            </a:r>
-            <a:r>
-              <a:rPr lang="en-US" altLang="en-US" sz="1400" b="1" dirty="0" smtClean="0">
-                <a:latin typeface="Courier New" pitchFamily="49" charset="0"/>
-                <a:cs typeface="Courier New" pitchFamily="49" charset="0"/>
-              </a:rPr>
-              <a:t>; </a:t>
+              <a:rPr lang="en-US" altLang="en-US" sz="1700" b="1" dirty="0" smtClean="0">
+                <a:latin typeface="Courier New" pitchFamily="49" charset="0"/>
+                <a:cs typeface="Courier New" pitchFamily="49" charset="0"/>
+              </a:rPr>
+              <a:t>      return temp; </a:t>
             </a:r>
           </a:p>
           <a:p>
@@ -11337,25 +11344,7 @@
               </a:tabLst>
             </a:pPr>
             <a:r>
-              <a:rPr lang="en-US" altLang="en-US" sz="1400" b="1" dirty="0" smtClean="0">
-                <a:latin typeface="Courier New" pitchFamily="49" charset="0"/>
-                <a:cs typeface="Courier New" pitchFamily="49" charset="0"/>
-              </a:rPr>
-              <a:t>      return temp; </a:t>
-            </a:r>
-          </a:p>
-          <a:p>
-            <a:pPr>
-              <a:buFont typeface="Monotype Sorts" pitchFamily="-84" charset="2"/>
-              <a:buNone/>
-              <a:tabLst>
-                <a:tab pos="741363" algn="l"/>
-                <a:tab pos="1022350" algn="l"/>
-                <a:tab pos="1258888" algn="l"/>
-              </a:tabLst>
-            </a:pPr>
-            <a:r>
-              <a:rPr lang="en-US" altLang="en-US" sz="1400" b="1" dirty="0" smtClean="0">
+              <a:rPr lang="en-US" altLang="en-US" sz="1700" b="1" dirty="0" smtClean="0">
                 <a:latin typeface="Courier New" pitchFamily="49" charset="0"/>
                 <a:cs typeface="Courier New" pitchFamily="49" charset="0"/>
               </a:rPr>
@@ -11620,41 +11609,48 @@
               </a:tabLst>
             </a:pPr>
             <a:r>
-              <a:rPr lang="en-US" altLang="en-US" b="1" dirty="0" smtClean="0">
+              <a:rPr lang="ru-RU" altLang="en-US" sz="2400" b="1" dirty="0" smtClean="0">
                 <a:latin typeface="Courier New" pitchFamily="49" charset="0"/>
                 <a:cs typeface="Courier New" pitchFamily="49" charset="0"/>
               </a:rPr>
               <a:t>      </a:t>
             </a:r>
             <a:r>
-              <a:rPr lang="en-US" altLang="en-US" sz="1600" b="1" dirty="0" smtClean="0">
-                <a:latin typeface="Courier New" pitchFamily="49" charset="0"/>
-                <a:cs typeface="Courier New" pitchFamily="49" charset="0"/>
-              </a:rPr>
-              <a:t>do {</a:t>
+              <a:rPr lang="en-US" altLang="en-US" sz="2400" b="1" dirty="0" smtClean="0">
+                <a:latin typeface="Courier New" pitchFamily="49" charset="0"/>
+                <a:cs typeface="Courier New" pitchFamily="49" charset="0"/>
+              </a:rPr>
+              <a:t>do </a:t>
+            </a:r>
+            <a:r>
+              <a:rPr lang="en-US" altLang="en-US" sz="2400" b="1" dirty="0" smtClean="0">
+                <a:latin typeface="Courier New" pitchFamily="49" charset="0"/>
+                <a:cs typeface="Courier New" pitchFamily="49" charset="0"/>
+              </a:rPr>
+              <a:t>{</a:t>
             </a:r>
             <a:br>
-              <a:rPr lang="en-US" altLang="en-US" sz="1600" b="1" dirty="0" smtClean="0">
+              <a:rPr lang="en-US" altLang="en-US" sz="2400" b="1" dirty="0" smtClean="0">
                 <a:latin typeface="Courier New" pitchFamily="49" charset="0"/>
                 <a:cs typeface="Courier New" pitchFamily="49" charset="0"/>
               </a:rPr>
             </a:br>
             <a:r>
-              <a:rPr lang="en-US" altLang="en-US" sz="1600" b="1" dirty="0" smtClean="0">
+              <a:rPr lang="en-US" altLang="en-US" sz="2400" b="1" dirty="0" smtClean="0">
                 <a:latin typeface="Courier New" pitchFamily="49" charset="0"/>
                 <a:cs typeface="Courier New" pitchFamily="49" charset="0"/>
               </a:rPr>
               <a:t>         while (</a:t>
             </a:r>
             <a:r>
-              <a:rPr lang="en-US" altLang="en-US" sz="1600" b="1" dirty="0" err="1" smtClean="0">
+              <a:rPr lang="en-US" altLang="en-US" sz="2400" b="1" dirty="0" err="1" smtClean="0">
                 <a:latin typeface="Courier New" pitchFamily="49" charset="0"/>
                 <a:cs typeface="Courier New" pitchFamily="49" charset="0"/>
               </a:rPr>
               <a:t>compare_and_swap</a:t>
             </a:r>
             <a:r>
-              <a:rPr lang="en-US" altLang="en-US" sz="1600" b="1" dirty="0" smtClean="0">
+              <a:rPr lang="en-US" altLang="en-US" sz="2400" b="1" dirty="0" smtClean="0">
                 <a:latin typeface="Courier New" pitchFamily="49" charset="0"/>
                 <a:cs typeface="Courier New" pitchFamily="49" charset="0"/>
               </a:rPr>
@@ -11672,7 +11668,7 @@
               </a:tabLst>
             </a:pPr>
             <a:r>
-              <a:rPr lang="en-US" altLang="en-US" sz="1600" b="1" dirty="0" smtClean="0">
+              <a:rPr lang="en-US" altLang="en-US" sz="2400" b="1" dirty="0" smtClean="0">
                 <a:latin typeface="Courier New" pitchFamily="49" charset="0"/>
                 <a:cs typeface="Courier New" pitchFamily="49" charset="0"/>
               </a:rPr>
@@ -11690,7 +11686,7 @@
               </a:tabLst>
             </a:pPr>
             <a:r>
-              <a:rPr lang="en-US" altLang="en-US" sz="1600" b="1" dirty="0" smtClean="0">
+              <a:rPr lang="en-US" altLang="en-US" sz="2400" b="1" dirty="0" smtClean="0">
                 <a:latin typeface="Courier New" pitchFamily="49" charset="0"/>
                 <a:cs typeface="Courier New" pitchFamily="49" charset="0"/>
               </a:rPr>
@@ -11708,11 +11704,32 @@
               </a:tabLst>
             </a:pPr>
             <a:r>
-              <a:rPr lang="en-US" altLang="en-US" sz="1600" b="1" dirty="0" smtClean="0">
-                <a:latin typeface="Courier New" pitchFamily="49" charset="0"/>
-                <a:cs typeface="Courier New" pitchFamily="49" charset="0"/>
-              </a:rPr>
-              <a:t>       lock = 0; </a:t>
+              <a:rPr lang="en-US" altLang="en-US" sz="2400" b="1" dirty="0" smtClean="0">
+                <a:latin typeface="Courier New" pitchFamily="49" charset="0"/>
+                <a:cs typeface="Courier New" pitchFamily="49" charset="0"/>
+              </a:rPr>
+              <a:t>      </a:t>
+            </a:r>
+            <a:r>
+              <a:rPr lang="ru-RU" altLang="en-US" sz="2400" b="1" dirty="0" smtClean="0">
+                <a:latin typeface="Courier New" pitchFamily="49" charset="0"/>
+                <a:cs typeface="Courier New" pitchFamily="49" charset="0"/>
+              </a:rPr>
+              <a:t>   </a:t>
+            </a:r>
+            <a:r>
+              <a:rPr lang="en-US" altLang="en-US" sz="2400" b="1" dirty="0" smtClean="0">
+                <a:latin typeface="Courier New" pitchFamily="49" charset="0"/>
+                <a:cs typeface="Courier New" pitchFamily="49" charset="0"/>
+              </a:rPr>
+              <a:t> </a:t>
+            </a:r>
+            <a:r>
+              <a:rPr lang="en-US" altLang="en-US" sz="2400" b="1" dirty="0" smtClean="0">
+                <a:latin typeface="Courier New" pitchFamily="49" charset="0"/>
+                <a:cs typeface="Courier New" pitchFamily="49" charset="0"/>
+              </a:rPr>
+              <a:t>lock = 0; </a:t>
             </a:r>
           </a:p>
           <a:p>
@@ -11726,7 +11743,7 @@
               </a:tabLst>
             </a:pPr>
             <a:r>
-              <a:rPr lang="en-US" altLang="en-US" sz="1600" b="1" dirty="0" smtClean="0">
+              <a:rPr lang="en-US" altLang="en-US" sz="2400" b="1" dirty="0" smtClean="0">
                 <a:latin typeface="Courier New" pitchFamily="49" charset="0"/>
                 <a:cs typeface="Courier New" pitchFamily="49" charset="0"/>
               </a:rPr>
@@ -11744,7 +11761,7 @@
               </a:tabLst>
             </a:pPr>
             <a:r>
-              <a:rPr lang="en-US" altLang="en-US" sz="1600" b="1" dirty="0" smtClean="0">
+              <a:rPr lang="en-US" altLang="en-US" sz="2400" b="1" dirty="0" smtClean="0">
                 <a:latin typeface="Courier New" pitchFamily="49" charset="0"/>
                 <a:cs typeface="Courier New" pitchFamily="49" charset="0"/>
               </a:rPr>
@@ -11765,7 +11782,7 @@
               </a:tabLst>
             </a:pPr>
             <a:r>
-              <a:rPr lang="en-US" altLang="en-US" sz="1600" dirty="0" smtClean="0"/>
+              <a:rPr lang="en-US" altLang="en-US" sz="2400" dirty="0" smtClean="0"/>
               <a:t>               </a:t>
             </a:r>
           </a:p>
@@ -12304,8 +12321,8 @@
         </p:nvSpPr>
         <p:spPr>
           <a:xfrm>
-            <a:off x="872359" y="1187668"/>
-            <a:ext cx="10510344" cy="5339255"/>
+            <a:off x="872358" y="1187668"/>
+            <a:ext cx="10569673" cy="5339255"/>
           </a:xfrm>
         </p:spPr>
         <p:txBody>
@@ -12315,11 +12332,6 @@
           <a:lstStyle/>
           <a:p>
             <a:pPr marL="342866" indent="-342866">
-              <a:lnSpc>
-                <a:spcPct val="90000"/>
-              </a:lnSpc>
-              <a:buFont typeface="Monotype Sorts" charset="0"/>
-              <a:buChar char="n"/>
               <a:defRPr/>
             </a:pPr>
             <a:r>
@@ -12332,11 +12344,6 @@
           </a:p>
           <a:p>
             <a:pPr marL="342866" indent="-342866">
-              <a:lnSpc>
-                <a:spcPct val="90000"/>
-              </a:lnSpc>
-              <a:buFont typeface="Monotype Sorts" charset="0"/>
-              <a:buChar char="n"/>
               <a:defRPr/>
             </a:pPr>
             <a:r>
@@ -12349,11 +12356,6 @@
           </a:p>
           <a:p>
             <a:pPr marL="342866" indent="-342866">
-              <a:lnSpc>
-                <a:spcPct val="90000"/>
-              </a:lnSpc>
-              <a:buFont typeface="Monotype Sorts" charset="0"/>
-              <a:buChar char="n"/>
               <a:defRPr/>
             </a:pPr>
             <a:r>
@@ -12387,11 +12389,6 @@
           </a:p>
           <a:p>
             <a:pPr marL="342866" indent="-342866">
-              <a:lnSpc>
-                <a:spcPct val="90000"/>
-              </a:lnSpc>
-              <a:buFont typeface="Monotype Sorts" charset="0"/>
-              <a:buChar char="n"/>
               <a:defRPr/>
             </a:pPr>
             <a:r>
@@ -12459,11 +12456,6 @@
           </a:p>
           <a:p>
             <a:pPr marL="742876" lvl="1" indent="-285722">
-              <a:lnSpc>
-                <a:spcPct val="90000"/>
-              </a:lnSpc>
-              <a:buFont typeface="Monotype Sorts" charset="0"/>
-              <a:buChar char="l"/>
               <a:defRPr/>
             </a:pPr>
             <a:r>
@@ -12487,11 +12479,6 @@
           </a:p>
           <a:p>
             <a:pPr marL="342866" indent="-342866">
-              <a:lnSpc>
-                <a:spcPct val="90000"/>
-              </a:lnSpc>
-              <a:buFont typeface="Monotype Sorts" charset="0"/>
-              <a:buChar char="n"/>
               <a:defRPr/>
             </a:pPr>
             <a:r>
@@ -12548,11 +12535,6 @@
           </a:p>
           <a:p>
             <a:pPr marL="742876" lvl="1" indent="-285722">
-              <a:lnSpc>
-                <a:spcPct val="90000"/>
-              </a:lnSpc>
-              <a:buFont typeface="Monotype Sorts" charset="0"/>
-              <a:buChar char="l"/>
               <a:defRPr/>
             </a:pPr>
             <a:r>
@@ -12576,11 +12558,6 @@
           </a:p>
           <a:p>
             <a:pPr marL="342866" indent="-342866">
-              <a:lnSpc>
-                <a:spcPct val="90000"/>
-              </a:lnSpc>
-              <a:buFont typeface="Monotype Sorts" charset="0"/>
-              <a:buChar char="n"/>
               <a:defRPr/>
             </a:pPr>
             <a:r>
@@ -12613,11 +12590,6 @@
           </a:p>
           <a:p>
             <a:pPr marL="742896" lvl="1" indent="-342866">
-              <a:lnSpc>
-                <a:spcPct val="90000"/>
-              </a:lnSpc>
-              <a:buFont typeface="Monotype Sorts" charset="0"/>
-              <a:buChar char="n"/>
               <a:defRPr/>
             </a:pPr>
             <a:r>
@@ -12725,19 +12697,248 @@
       </p:grpSpPr>
       <p:sp>
         <p:nvSpPr>
+          <p:cNvPr id="50181" name="Content Placeholder 2"/>
+          <p:cNvSpPr>
+            <a:spLocks noGrp="1"/>
+          </p:cNvSpPr>
+          <p:nvPr>
+            <p:ph idx="1"/>
+          </p:nvPr>
+        </p:nvSpPr>
+        <p:spPr>
+          <a:xfrm>
+            <a:off x="890337" y="1130968"/>
+            <a:ext cx="10178716" cy="5414211"/>
+          </a:xfrm>
+        </p:spPr>
+        <p:txBody>
+          <a:bodyPr>
+            <a:noAutofit/>
+          </a:bodyPr>
+          <a:lstStyle/>
+          <a:p>
+            <a:pPr marL="0" indent="0"/>
+            <a:r>
+              <a:rPr lang="en-US" altLang="en-US" sz="1800" b="1" dirty="0" smtClean="0">
+                <a:latin typeface="Courier New" pitchFamily="49" charset="0"/>
+                <a:cs typeface="Courier New" pitchFamily="49" charset="0"/>
+              </a:rPr>
+              <a:t>   </a:t>
+            </a:r>
+            <a:r>
+              <a:rPr lang="en-US" altLang="en-US" sz="2000" b="1" dirty="0" smtClean="0">
+                <a:latin typeface="Courier New" pitchFamily="49" charset="0"/>
+                <a:cs typeface="Courier New" pitchFamily="49" charset="0"/>
+              </a:rPr>
+              <a:t>acquire() {</a:t>
+            </a:r>
+            <a:br>
+              <a:rPr lang="en-US" altLang="en-US" sz="2000" b="1" dirty="0" smtClean="0">
+                <a:latin typeface="Courier New" pitchFamily="49" charset="0"/>
+                <a:cs typeface="Courier New" pitchFamily="49" charset="0"/>
+              </a:rPr>
+            </a:br>
+            <a:r>
+              <a:rPr lang="en-US" altLang="en-US" sz="2000" b="1" dirty="0" smtClean="0">
+                <a:latin typeface="Courier New" pitchFamily="49" charset="0"/>
+                <a:cs typeface="Courier New" pitchFamily="49" charset="0"/>
+              </a:rPr>
+              <a:t>       while (!available) </a:t>
+            </a:r>
+          </a:p>
+          <a:p>
+            <a:pPr marL="0" indent="0">
+              <a:buFont typeface="Monotype Sorts" pitchFamily="-84" charset="2"/>
+              <a:buNone/>
+            </a:pPr>
+            <a:r>
+              <a:rPr lang="en-US" altLang="en-US" sz="2000" b="1" dirty="0" smtClean="0">
+                <a:latin typeface="Courier New" pitchFamily="49" charset="0"/>
+                <a:cs typeface="Courier New" pitchFamily="49" charset="0"/>
+              </a:rPr>
+              <a:t>          ; /* busy wait */ </a:t>
+            </a:r>
+          </a:p>
+          <a:p>
+            <a:pPr marL="0" indent="0">
+              <a:buFont typeface="Monotype Sorts" pitchFamily="-84" charset="2"/>
+              <a:buNone/>
+            </a:pPr>
+            <a:r>
+              <a:rPr lang="en-US" altLang="en-US" sz="2000" b="1" dirty="0" smtClean="0">
+                <a:latin typeface="Courier New" pitchFamily="49" charset="0"/>
+                <a:cs typeface="Courier New" pitchFamily="49" charset="0"/>
+              </a:rPr>
+              <a:t>       available = false</a:t>
+            </a:r>
+            <a:r>
+              <a:rPr lang="en-US" altLang="en-US" sz="2000" b="1" dirty="0" smtClean="0">
+                <a:latin typeface="Courier New" pitchFamily="49" charset="0"/>
+                <a:cs typeface="Courier New" pitchFamily="49" charset="0"/>
+              </a:rPr>
+              <a:t>; </a:t>
+            </a:r>
+            <a:endParaRPr lang="en-US" altLang="en-US" sz="2000" b="1" dirty="0" smtClean="0">
+              <a:latin typeface="Courier New" pitchFamily="49" charset="0"/>
+              <a:cs typeface="Courier New" pitchFamily="49" charset="0"/>
+            </a:endParaRPr>
+          </a:p>
+          <a:p>
+            <a:pPr marL="0" indent="0">
+              <a:buFont typeface="Monotype Sorts" pitchFamily="-84" charset="2"/>
+              <a:buNone/>
+            </a:pPr>
+            <a:r>
+              <a:rPr lang="en-US" altLang="en-US" sz="2000" b="1" dirty="0" smtClean="0">
+                <a:latin typeface="Courier New" pitchFamily="49" charset="0"/>
+                <a:cs typeface="Courier New" pitchFamily="49" charset="0"/>
+              </a:rPr>
+              <a:t>    } </a:t>
+            </a:r>
+          </a:p>
+          <a:p>
+            <a:pPr marL="0" indent="0"/>
+            <a:r>
+              <a:rPr lang="en-US" altLang="en-US" sz="2000" b="1" dirty="0" smtClean="0">
+                <a:latin typeface="Courier New" pitchFamily="49" charset="0"/>
+                <a:cs typeface="Courier New" pitchFamily="49" charset="0"/>
+              </a:rPr>
+              <a:t>   release() { </a:t>
+            </a:r>
+          </a:p>
+          <a:p>
+            <a:pPr marL="0" indent="0">
+              <a:buFont typeface="Monotype Sorts" pitchFamily="-84" charset="2"/>
+              <a:buNone/>
+            </a:pPr>
+            <a:r>
+              <a:rPr lang="en-US" altLang="en-US" sz="2000" b="1" dirty="0" smtClean="0">
+                <a:latin typeface="Courier New" pitchFamily="49" charset="0"/>
+                <a:cs typeface="Courier New" pitchFamily="49" charset="0"/>
+              </a:rPr>
+              <a:t>       available = true; </a:t>
+            </a:r>
+          </a:p>
+          <a:p>
+            <a:pPr marL="0" indent="0">
+              <a:buFont typeface="Monotype Sorts" pitchFamily="-84" charset="2"/>
+              <a:buNone/>
+            </a:pPr>
+            <a:r>
+              <a:rPr lang="en-US" altLang="en-US" sz="2000" b="1" dirty="0" smtClean="0">
+                <a:latin typeface="Courier New" pitchFamily="49" charset="0"/>
+                <a:cs typeface="Courier New" pitchFamily="49" charset="0"/>
+              </a:rPr>
+              <a:t>    } </a:t>
+            </a:r>
+          </a:p>
+          <a:p>
+            <a:pPr marL="0" indent="0"/>
+            <a:r>
+              <a:rPr lang="en-US" altLang="en-US" sz="2000" b="1" dirty="0" smtClean="0">
+                <a:latin typeface="Courier New" pitchFamily="49" charset="0"/>
+                <a:cs typeface="Courier New" pitchFamily="49" charset="0"/>
+              </a:rPr>
+              <a:t>   do { </a:t>
+            </a:r>
+          </a:p>
+          <a:p>
+            <a:pPr marL="0" indent="0">
+              <a:buFont typeface="Monotype Sorts" pitchFamily="-84" charset="2"/>
+              <a:buNone/>
+            </a:pPr>
+            <a:r>
+              <a:rPr lang="en-US" altLang="en-US" sz="2000" b="1" i="1" dirty="0" smtClean="0">
+                <a:latin typeface="Courier New" pitchFamily="49" charset="0"/>
+                <a:cs typeface="Courier New" pitchFamily="49" charset="0"/>
+              </a:rPr>
+              <a:t>    acquire lock</a:t>
+            </a:r>
+          </a:p>
+          <a:p>
+            <a:pPr marL="0" indent="0">
+              <a:buFont typeface="Monotype Sorts" pitchFamily="-84" charset="2"/>
+              <a:buNone/>
+            </a:pPr>
+            <a:r>
+              <a:rPr lang="en-US" altLang="en-US" sz="2000" b="1" dirty="0" smtClean="0">
+                <a:latin typeface="Courier New" pitchFamily="49" charset="0"/>
+                <a:cs typeface="Courier New" pitchFamily="49" charset="0"/>
+              </a:rPr>
+              <a:t>       critical section</a:t>
+            </a:r>
+          </a:p>
+          <a:p>
+            <a:pPr marL="0" indent="0">
+              <a:buFont typeface="Monotype Sorts" pitchFamily="-84" charset="2"/>
+              <a:buNone/>
+            </a:pPr>
+            <a:r>
+              <a:rPr lang="en-US" altLang="en-US" sz="2000" b="1" i="1" dirty="0" smtClean="0">
+                <a:latin typeface="Courier New" pitchFamily="49" charset="0"/>
+                <a:cs typeface="Courier New" pitchFamily="49" charset="0"/>
+              </a:rPr>
+              <a:t>    release lock </a:t>
+            </a:r>
+          </a:p>
+          <a:p>
+            <a:pPr marL="0" indent="0">
+              <a:buFont typeface="Monotype Sorts" pitchFamily="-84" charset="2"/>
+              <a:buNone/>
+            </a:pPr>
+            <a:r>
+              <a:rPr lang="en-US" altLang="en-US" sz="2000" b="1" dirty="0" smtClean="0">
+                <a:latin typeface="Courier New" pitchFamily="49" charset="0"/>
+                <a:cs typeface="Courier New" pitchFamily="49" charset="0"/>
+              </a:rPr>
+              <a:t>      remainder section </a:t>
+            </a:r>
+          </a:p>
+          <a:p>
+            <a:pPr marL="0" indent="0">
+              <a:buFont typeface="Monotype Sorts" pitchFamily="-84" charset="2"/>
+              <a:buNone/>
+            </a:pPr>
+            <a:r>
+              <a:rPr lang="en-US" altLang="en-US" sz="2000" b="1" dirty="0" smtClean="0">
+                <a:latin typeface="Courier New" pitchFamily="49" charset="0"/>
+                <a:cs typeface="Courier New" pitchFamily="49" charset="0"/>
+              </a:rPr>
+              <a:t> } while (true</a:t>
+            </a:r>
+            <a:r>
+              <a:rPr lang="en-US" altLang="en-US" sz="2000" b="1" dirty="0" smtClean="0">
+                <a:latin typeface="Courier New" pitchFamily="49" charset="0"/>
+                <a:cs typeface="Courier New" pitchFamily="49" charset="0"/>
+              </a:rPr>
+              <a:t>);</a:t>
+            </a:r>
+            <a:endParaRPr lang="en-US" altLang="en-US" sz="2000" b="1" dirty="0" smtClean="0">
+              <a:latin typeface="Courier New" pitchFamily="49" charset="0"/>
+              <a:cs typeface="Courier New" pitchFamily="49" charset="0"/>
+            </a:endParaRPr>
+          </a:p>
+        </p:txBody>
+      </p:sp>
+      <p:sp>
+        <p:nvSpPr>
           <p:cNvPr id="5" name="Rectangle 4"/>
           <p:cNvSpPr/>
           <p:nvPr/>
         </p:nvSpPr>
         <p:spPr bwMode="auto">
           <a:xfrm>
-            <a:off x="1416720" y="4792999"/>
+            <a:off x="1537036" y="5370515"/>
             <a:ext cx="2116667" cy="377825"/>
           </a:xfrm>
           <a:prstGeom prst="rect">
             <a:avLst/>
           </a:prstGeom>
-          <a:ln>
+          <a:noFill/>
+          <a:ln w="38100">
+            <a:solidFill>
+              <a:srgbClr val="F7B217"/>
+            </a:solidFill>
             <a:headEnd type="none" w="med" len="med"/>
             <a:tailEnd type="none" w="med" len="med"/>
           </a:ln>
@@ -12906,13 +13107,17 @@
         </p:nvSpPr>
         <p:spPr bwMode="auto">
           <a:xfrm>
-            <a:off x="1423850" y="4066758"/>
+            <a:off x="1484008" y="4632242"/>
             <a:ext cx="2118783" cy="379412"/>
           </a:xfrm>
           <a:prstGeom prst="rect">
             <a:avLst/>
           </a:prstGeom>
-          <a:ln>
+          <a:noFill/>
+          <a:ln w="38100">
+            <a:solidFill>
+              <a:srgbClr val="F7B217"/>
+            </a:solidFill>
             <a:headEnd type="none" w="med" len="med"/>
             <a:tailEnd type="none" w="med" len="med"/>
           </a:ln>
@@ -13070,226 +13275,6 @@
               </a:solidFill>
               <a:latin typeface="Verdana" charset="0"/>
             </a:endParaRPr>
-          </a:p>
-        </p:txBody>
-      </p:sp>
-      <p:sp>
-        <p:nvSpPr>
-          <p:cNvPr id="50181" name="Content Placeholder 2"/>
-          <p:cNvSpPr>
-            <a:spLocks noGrp="1"/>
-          </p:cNvSpPr>
-          <p:nvPr>
-            <p:ph idx="1"/>
-          </p:nvPr>
-        </p:nvSpPr>
-        <p:spPr>
-          <a:xfrm>
-            <a:off x="890337" y="1130968"/>
-            <a:ext cx="10178716" cy="5414211"/>
-          </a:xfrm>
-        </p:spPr>
-        <p:txBody>
-          <a:bodyPr>
-            <a:normAutofit/>
-          </a:bodyPr>
-          <a:lstStyle/>
-          <a:p>
-            <a:pPr marL="0" indent="0"/>
-            <a:r>
-              <a:rPr lang="en-US" altLang="en-US" sz="1400" b="1" dirty="0" smtClean="0">
-                <a:latin typeface="Courier New" pitchFamily="49" charset="0"/>
-                <a:cs typeface="Courier New" pitchFamily="49" charset="0"/>
-              </a:rPr>
-              <a:t>   </a:t>
-            </a:r>
-            <a:r>
-              <a:rPr lang="en-US" altLang="en-US" sz="1600" b="1" dirty="0" smtClean="0">
-                <a:latin typeface="Courier New" pitchFamily="49" charset="0"/>
-                <a:cs typeface="Courier New" pitchFamily="49" charset="0"/>
-              </a:rPr>
-              <a:t>acquire() {</a:t>
-            </a:r>
-            <a:br>
-              <a:rPr lang="en-US" altLang="en-US" sz="1600" b="1" dirty="0" smtClean="0">
-                <a:latin typeface="Courier New" pitchFamily="49" charset="0"/>
-                <a:cs typeface="Courier New" pitchFamily="49" charset="0"/>
-              </a:rPr>
-            </a:br>
-            <a:r>
-              <a:rPr lang="en-US" altLang="en-US" sz="1600" b="1" dirty="0" smtClean="0">
-                <a:latin typeface="Courier New" pitchFamily="49" charset="0"/>
-                <a:cs typeface="Courier New" pitchFamily="49" charset="0"/>
-              </a:rPr>
-              <a:t>       while (!available) </a:t>
-            </a:r>
-          </a:p>
-          <a:p>
-            <a:pPr marL="0" indent="0">
-              <a:buFont typeface="Monotype Sorts" pitchFamily="-84" charset="2"/>
-              <a:buNone/>
-            </a:pPr>
-            <a:r>
-              <a:rPr lang="en-US" altLang="en-US" sz="1600" b="1" dirty="0" smtClean="0">
-                <a:latin typeface="Courier New" pitchFamily="49" charset="0"/>
-                <a:cs typeface="Courier New" pitchFamily="49" charset="0"/>
-              </a:rPr>
-              <a:t>          ; /* busy wait */ </a:t>
-            </a:r>
-          </a:p>
-          <a:p>
-            <a:pPr marL="0" indent="0">
-              <a:buFont typeface="Monotype Sorts" pitchFamily="-84" charset="2"/>
-              <a:buNone/>
-            </a:pPr>
-            <a:r>
-              <a:rPr lang="en-US" altLang="en-US" sz="1600" b="1" dirty="0" smtClean="0">
-                <a:latin typeface="Courier New" pitchFamily="49" charset="0"/>
-                <a:cs typeface="Courier New" pitchFamily="49" charset="0"/>
-              </a:rPr>
-              <a:t>       available = false;; </a:t>
-            </a:r>
-          </a:p>
-          <a:p>
-            <a:pPr marL="0" indent="0">
-              <a:buFont typeface="Monotype Sorts" pitchFamily="-84" charset="2"/>
-              <a:buNone/>
-            </a:pPr>
-            <a:r>
-              <a:rPr lang="en-US" altLang="en-US" sz="1600" b="1" dirty="0" smtClean="0">
-                <a:latin typeface="Courier New" pitchFamily="49" charset="0"/>
-                <a:cs typeface="Courier New" pitchFamily="49" charset="0"/>
-              </a:rPr>
-              <a:t>    } </a:t>
-            </a:r>
-          </a:p>
-          <a:p>
-            <a:pPr marL="0" indent="0"/>
-            <a:r>
-              <a:rPr lang="en-US" altLang="en-US" sz="1600" b="1" dirty="0" smtClean="0">
-                <a:latin typeface="Courier New" pitchFamily="49" charset="0"/>
-                <a:cs typeface="Courier New" pitchFamily="49" charset="0"/>
-              </a:rPr>
-              <a:t>   release() { </a:t>
-            </a:r>
-          </a:p>
-          <a:p>
-            <a:pPr marL="0" indent="0">
-              <a:buFont typeface="Monotype Sorts" pitchFamily="-84" charset="2"/>
-              <a:buNone/>
-            </a:pPr>
-            <a:r>
-              <a:rPr lang="en-US" altLang="en-US" sz="1600" b="1" dirty="0" smtClean="0">
-                <a:latin typeface="Courier New" pitchFamily="49" charset="0"/>
-                <a:cs typeface="Courier New" pitchFamily="49" charset="0"/>
-              </a:rPr>
-              <a:t>       available = true; </a:t>
-            </a:r>
-          </a:p>
-          <a:p>
-            <a:pPr marL="0" indent="0">
-              <a:buFont typeface="Monotype Sorts" pitchFamily="-84" charset="2"/>
-              <a:buNone/>
-            </a:pPr>
-            <a:r>
-              <a:rPr lang="en-US" altLang="en-US" sz="1600" b="1" dirty="0" smtClean="0">
-                <a:latin typeface="Courier New" pitchFamily="49" charset="0"/>
-                <a:cs typeface="Courier New" pitchFamily="49" charset="0"/>
-              </a:rPr>
-              <a:t>    } </a:t>
-            </a:r>
-          </a:p>
-          <a:p>
-            <a:pPr marL="0" indent="0"/>
-            <a:r>
-              <a:rPr lang="en-US" altLang="en-US" sz="1600" b="1" dirty="0" smtClean="0">
-                <a:latin typeface="Courier New" pitchFamily="49" charset="0"/>
-                <a:cs typeface="Courier New" pitchFamily="49" charset="0"/>
-              </a:rPr>
-              <a:t>   do { </a:t>
-            </a:r>
-          </a:p>
-          <a:p>
-            <a:pPr marL="0" indent="0">
-              <a:buFont typeface="Monotype Sorts" pitchFamily="-84" charset="2"/>
-              <a:buNone/>
-            </a:pPr>
-            <a:r>
-              <a:rPr lang="en-US" altLang="en-US" sz="1600" b="1" i="1" dirty="0" smtClean="0">
-                <a:latin typeface="Courier New" pitchFamily="49" charset="0"/>
-                <a:cs typeface="Courier New" pitchFamily="49" charset="0"/>
-              </a:rPr>
-              <a:t>    acquire lock</a:t>
-            </a:r>
-          </a:p>
-          <a:p>
-            <a:pPr marL="0" indent="0">
-              <a:buFont typeface="Monotype Sorts" pitchFamily="-84" charset="2"/>
-              <a:buNone/>
-            </a:pPr>
-            <a:r>
-              <a:rPr lang="en-US" altLang="en-US" sz="1600" b="1" dirty="0" smtClean="0">
-                <a:latin typeface="Courier New" pitchFamily="49" charset="0"/>
-                <a:cs typeface="Courier New" pitchFamily="49" charset="0"/>
-              </a:rPr>
-              <a:t>       critical section</a:t>
-            </a:r>
-          </a:p>
-          <a:p>
-            <a:pPr marL="0" indent="0">
-              <a:buFont typeface="Monotype Sorts" pitchFamily="-84" charset="2"/>
-              <a:buNone/>
-            </a:pPr>
-            <a:r>
-              <a:rPr lang="en-US" altLang="en-US" sz="1600" b="1" i="1" dirty="0" smtClean="0">
-                <a:latin typeface="Courier New" pitchFamily="49" charset="0"/>
-                <a:cs typeface="Courier New" pitchFamily="49" charset="0"/>
-              </a:rPr>
-              <a:t>    release lock </a:t>
-            </a:r>
-          </a:p>
-          <a:p>
-            <a:pPr marL="0" indent="0">
-              <a:buFont typeface="Monotype Sorts" pitchFamily="-84" charset="2"/>
-              <a:buNone/>
-            </a:pPr>
-            <a:r>
-              <a:rPr lang="en-US" altLang="en-US" sz="1600" b="1" dirty="0" smtClean="0">
-                <a:latin typeface="Courier New" pitchFamily="49" charset="0"/>
-                <a:cs typeface="Courier New" pitchFamily="49" charset="0"/>
-              </a:rPr>
-              <a:t>      remainder section </a:t>
-            </a:r>
-          </a:p>
-          <a:p>
-            <a:pPr marL="0" indent="0">
-              <a:buFont typeface="Monotype Sorts" pitchFamily="-84" charset="2"/>
-              <a:buNone/>
-            </a:pPr>
-            <a:r>
-              <a:rPr lang="en-US" altLang="en-US" sz="1600" b="1" dirty="0" smtClean="0">
-                <a:latin typeface="Courier New" pitchFamily="49" charset="0"/>
-                <a:cs typeface="Courier New" pitchFamily="49" charset="0"/>
-              </a:rPr>
-              <a:t> } while (true); </a:t>
-            </a:r>
-          </a:p>
-          <a:p>
-            <a:pPr marL="0" indent="0">
-              <a:buFont typeface="Monotype Sorts" pitchFamily="-84" charset="2"/>
-              <a:buNone/>
-            </a:pPr>
-            <a:endParaRPr lang="en-US" altLang="en-US" sz="1400" b="1" dirty="0" smtClean="0">
-              <a:latin typeface="Courier New" pitchFamily="49" charset="0"/>
-              <a:cs typeface="Courier New" pitchFamily="49" charset="0"/>
-            </a:endParaRPr>
-          </a:p>
-          <a:p>
-            <a:pPr marL="0" indent="0">
-              <a:buFont typeface="Monotype Sorts" pitchFamily="-84" charset="2"/>
-              <a:buNone/>
-            </a:pPr>
-            <a:endParaRPr lang="en-US" altLang="en-US" dirty="0" smtClean="0"/>
           </a:p>
         </p:txBody>
       </p:sp>
@@ -19422,7 +19407,7 @@
         </p:spPr>
         <p:txBody>
           <a:bodyPr>
-            <a:normAutofit fontScale="62500" lnSpcReduction="20000"/>
+            <a:normAutofit fontScale="55000" lnSpcReduction="20000"/>
           </a:bodyPr>
           <a:lstStyle/>
           <a:p>
@@ -19463,7 +19448,7 @@
             <a:r>
               <a:rPr lang="en-US" altLang="en-US" b="1" dirty="0" smtClean="0">
                 <a:solidFill>
-                  <a:srgbClr val="000000"/>
+                  <a:srgbClr val="1E3272"/>
                 </a:solidFill>
                 <a:latin typeface="Courier New" pitchFamily="49" charset="0"/>
                 <a:cs typeface="Courier New" pitchFamily="49" charset="0"/>
@@ -19471,9 +19456,9 @@
               <a:t>              </a:t>
             </a:r>
             <a:r>
-              <a:rPr lang="en-US" altLang="en-US" sz="2000" b="1" dirty="0" err="1" smtClean="0">
-                <a:solidFill>
-                  <a:srgbClr val="000000"/>
+              <a:rPr lang="en-US" altLang="en-US" sz="4400" b="1" dirty="0" err="1" smtClean="0">
+                <a:solidFill>
+                  <a:srgbClr val="1E3272"/>
                 </a:solidFill>
                 <a:latin typeface="Courier New" pitchFamily="49" charset="0"/>
                 <a:cs typeface="Courier New" pitchFamily="49" charset="0"/>
@@ -19481,9 +19466,9 @@
               <a:t>R.acquire</a:t>
             </a:r>
             <a:r>
-              <a:rPr lang="en-US" altLang="en-US" sz="2000" b="1" dirty="0" smtClean="0">
-                <a:solidFill>
-                  <a:srgbClr val="000000"/>
+              <a:rPr lang="en-US" altLang="en-US" sz="4400" b="1" dirty="0" smtClean="0">
+                <a:solidFill>
+                  <a:srgbClr val="1E3272"/>
                 </a:solidFill>
                 <a:latin typeface="Courier New" pitchFamily="49" charset="0"/>
                 <a:cs typeface="Courier New" pitchFamily="49" charset="0"/>
@@ -19491,9 +19476,9 @@
               <a:t>(t)</a:t>
             </a:r>
             <a:r>
-              <a:rPr lang="en-US" altLang="en-US" b="1" dirty="0" smtClean="0">
-                <a:solidFill>
-                  <a:srgbClr val="000000"/>
+              <a:rPr lang="en-US" altLang="en-US" sz="5100" b="1" dirty="0" smtClean="0">
+                <a:solidFill>
+                  <a:srgbClr val="1E3272"/>
                 </a:solidFill>
                 <a:latin typeface="Courier New" pitchFamily="49" charset="0"/>
                 <a:cs typeface="Courier New" pitchFamily="49" charset="0"/>
@@ -19512,12 +19497,22 @@
             <a:r>
               <a:rPr lang="en-US" altLang="en-US" b="1" dirty="0" smtClean="0">
                 <a:solidFill>
-                  <a:srgbClr val="000000"/>
-                </a:solidFill>
-                <a:latin typeface="Courier New" pitchFamily="49" charset="0"/>
-                <a:cs typeface="Courier New" pitchFamily="49" charset="0"/>
-              </a:rPr>
-              <a:t>                   ...</a:t>
+                  <a:srgbClr val="1E3272"/>
+                </a:solidFill>
+                <a:latin typeface="Courier New" pitchFamily="49" charset="0"/>
+                <a:cs typeface="Courier New" pitchFamily="49" charset="0"/>
+              </a:rPr>
+              <a:t>                   </a:t>
+            </a:r>
+            <a:r>
+              <a:rPr lang="en-US" altLang="en-US" sz="5100" b="1" dirty="0" smtClean="0">
+                <a:solidFill>
+                  <a:srgbClr val="1E3272"/>
+                </a:solidFill>
+                <a:latin typeface="Courier New" pitchFamily="49" charset="0"/>
+                <a:cs typeface="Courier New" pitchFamily="49" charset="0"/>
+              </a:rPr>
+              <a:t>...</a:t>
             </a:r>
           </a:p>
           <a:p>
@@ -19529,9 +19524,9 @@
               <a:buNone/>
             </a:pPr>
             <a:r>
-              <a:rPr lang="en-US" altLang="en-US" b="1" dirty="0" smtClean="0">
-                <a:solidFill>
-                  <a:srgbClr val="000000"/>
+              <a:rPr lang="en-US" altLang="en-US" sz="5100" b="1" dirty="0" smtClean="0">
+                <a:solidFill>
+                  <a:srgbClr val="1E3272"/>
                 </a:solidFill>
                 <a:latin typeface="Courier New" pitchFamily="49" charset="0"/>
                 <a:cs typeface="Courier New" pitchFamily="49" charset="0"/>
@@ -19539,9 +19534,9 @@
               <a:t>                access the </a:t>
             </a:r>
             <a:r>
-              <a:rPr lang="en-US" altLang="en-US" b="1" dirty="0" err="1" smtClean="0">
-                <a:solidFill>
-                  <a:srgbClr val="000000"/>
+              <a:rPr lang="en-US" altLang="en-US" sz="5100" b="1" dirty="0" err="1" smtClean="0">
+                <a:solidFill>
+                  <a:srgbClr val="1E3272"/>
                 </a:solidFill>
                 <a:latin typeface="Courier New" pitchFamily="49" charset="0"/>
                 <a:cs typeface="Courier New" pitchFamily="49" charset="0"/>
@@ -19549,9 +19544,9 @@
               <a:t>resurce</a:t>
             </a:r>
             <a:r>
-              <a:rPr lang="en-US" altLang="en-US" b="1" dirty="0" smtClean="0">
-                <a:solidFill>
-                  <a:srgbClr val="000000"/>
+              <a:rPr lang="en-US" altLang="en-US" sz="5100" b="1" dirty="0" smtClean="0">
+                <a:solidFill>
+                  <a:srgbClr val="1E3272"/>
                 </a:solidFill>
                 <a:latin typeface="Courier New" pitchFamily="49" charset="0"/>
                 <a:cs typeface="Courier New" pitchFamily="49" charset="0"/>
@@ -19568,15 +19563,32 @@
               <a:buNone/>
             </a:pPr>
             <a:r>
-              <a:rPr lang="en-US" altLang="en-US" b="1" dirty="0" smtClean="0">
-                <a:solidFill>
-                  <a:srgbClr val="000000"/>
-                </a:solidFill>
-                <a:latin typeface="Courier New" pitchFamily="49" charset="0"/>
-                <a:cs typeface="Courier New" pitchFamily="49" charset="0"/>
-              </a:rPr>
-              <a:t>                   ...</a:t>
-            </a:r>
+              <a:rPr lang="ru-RU" altLang="en-US" sz="5100" b="1" dirty="0" smtClean="0">
+                <a:solidFill>
+                  <a:srgbClr val="1E3272"/>
+                </a:solidFill>
+                <a:latin typeface="Courier New" pitchFamily="49" charset="0"/>
+                <a:cs typeface="Courier New" pitchFamily="49" charset="0"/>
+              </a:rPr>
+              <a:t>             </a:t>
+            </a:r>
+            <a:r>
+              <a:rPr lang="en-US" altLang="en-US" sz="5100" b="1" dirty="0" smtClean="0">
+                <a:solidFill>
+                  <a:srgbClr val="1E3272"/>
+                </a:solidFill>
+                <a:latin typeface="Courier New" pitchFamily="49" charset="0"/>
+                <a:cs typeface="Courier New" pitchFamily="49" charset="0"/>
+              </a:rPr>
+              <a:t>...</a:t>
+            </a:r>
+            <a:endParaRPr lang="en-US" altLang="en-US" sz="5100" b="1" dirty="0" smtClean="0">
+              <a:solidFill>
+                <a:srgbClr val="1E3272"/>
+              </a:solidFill>
+              <a:latin typeface="Courier New" pitchFamily="49" charset="0"/>
+              <a:cs typeface="Courier New" pitchFamily="49" charset="0"/>
+            </a:endParaRPr>
           </a:p>
           <a:p>
             <a:pPr>
@@ -19588,7 +19600,7 @@
             </a:pPr>
             <a:endParaRPr lang="en-US" altLang="en-US" b="1" dirty="0" smtClean="0">
               <a:solidFill>
-                <a:srgbClr val="000000"/>
+                <a:srgbClr val="1E3272"/>
               </a:solidFill>
               <a:latin typeface="Courier New" pitchFamily="49" charset="0"/>
               <a:cs typeface="Courier New" pitchFamily="49" charset="0"/>
@@ -19605,17 +19617,27 @@
             <a:r>
               <a:rPr lang="en-US" altLang="en-US" b="1" dirty="0" smtClean="0">
                 <a:solidFill>
-                  <a:srgbClr val="000000"/>
-                </a:solidFill>
-                <a:latin typeface="Courier New" pitchFamily="49" charset="0"/>
-                <a:cs typeface="Courier New" pitchFamily="49" charset="0"/>
-              </a:rPr>
-              <a:t>               </a:t>
-            </a:r>
-            <a:r>
-              <a:rPr lang="en-US" altLang="en-US" sz="2000" b="1" dirty="0" err="1" smtClean="0">
-                <a:solidFill>
-                  <a:srgbClr val="000000"/>
+                  <a:srgbClr val="1E3272"/>
+                </a:solidFill>
+                <a:latin typeface="Courier New" pitchFamily="49" charset="0"/>
+                <a:cs typeface="Courier New" pitchFamily="49" charset="0"/>
+              </a:rPr>
+              <a:t>             </a:t>
+            </a:r>
+            <a:r>
+              <a:rPr lang="en-US" altLang="en-US" b="1" dirty="0" smtClean="0">
+                <a:solidFill>
+                  <a:srgbClr val="1E3272"/>
+                </a:solidFill>
+                <a:latin typeface="Courier New" pitchFamily="49" charset="0"/>
+                <a:cs typeface="Courier New" pitchFamily="49" charset="0"/>
+              </a:rPr>
+              <a:t> </a:t>
+            </a:r>
+            <a:r>
+              <a:rPr lang="en-US" altLang="en-US" sz="4500" b="1" dirty="0" err="1" smtClean="0">
+                <a:solidFill>
+                  <a:srgbClr val="1E3272"/>
                 </a:solidFill>
                 <a:latin typeface="Courier New" pitchFamily="49" charset="0"/>
                 <a:cs typeface="Courier New" pitchFamily="49" charset="0"/>
@@ -19623,9 +19645,9 @@
               <a:t>R.release</a:t>
             </a:r>
             <a:r>
-              <a:rPr lang="en-US" altLang="en-US" sz="2000" b="1" dirty="0" smtClean="0">
-                <a:solidFill>
-                  <a:srgbClr val="000000"/>
+              <a:rPr lang="en-US" altLang="en-US" sz="4500" b="1" dirty="0" smtClean="0">
+                <a:solidFill>
+                  <a:srgbClr val="1E3272"/>
                 </a:solidFill>
                 <a:latin typeface="Courier New" pitchFamily="49" charset="0"/>
                 <a:cs typeface="Courier New" pitchFamily="49" charset="0"/>
@@ -19658,9 +19680,9 @@
               <a:t>Where R is an instance of  type </a:t>
             </a:r>
             <a:r>
-              <a:rPr lang="en-US" altLang="en-US" sz="2500" b="1" dirty="0" err="1" smtClean="0">
-                <a:solidFill>
-                  <a:srgbClr val="000000"/>
+              <a:rPr lang="en-US" altLang="en-US" sz="4400" b="1" dirty="0" err="1" smtClean="0">
+                <a:solidFill>
+                  <a:srgbClr val="1E3272"/>
                 </a:solidFill>
                 <a:latin typeface="Courier New" pitchFamily="49" charset="0"/>
                 <a:cs typeface="Courier New" pitchFamily="49" charset="0"/>
@@ -19669,7 +19691,7 @@
             </a:r>
             <a:endParaRPr lang="en-US" altLang="en-US" sz="2500" b="1" dirty="0" smtClean="0">
               <a:solidFill>
-                <a:srgbClr val="000000"/>
+                <a:srgbClr val="1E3272"/>
               </a:solidFill>
               <a:latin typeface="Courier New" pitchFamily="49" charset="0"/>
               <a:cs typeface="Courier New" pitchFamily="49" charset="0"/>
@@ -20971,7 +20993,7 @@
     </p:spTree>
     <p:extLst>
       <p:ext uri="{BB962C8B-B14F-4D97-AF65-F5344CB8AC3E}">
-        <p14:creationId xmlns="" xmlns:p14="http://schemas.microsoft.com/office/powerpoint/2010/main" val="4217875043"/>
+        <p14:creationId xmlns:p14="http://schemas.microsoft.com/office/powerpoint/2010/main" xmlns="" val="4217875043"/>
       </p:ext>
     </p:extLst>
   </p:cSld>
@@ -21508,12 +21530,14 @@
         </p:nvSpPr>
         <p:spPr>
           <a:xfrm>
-            <a:off x="1339851" y="1177926"/>
-            <a:ext cx="10756900" cy="5173663"/>
+            <a:off x="866275" y="1130968"/>
+            <a:ext cx="10503568" cy="5220621"/>
           </a:xfrm>
         </p:spPr>
         <p:txBody>
-          <a:bodyPr/>
+          <a:bodyPr>
+            <a:normAutofit fontScale="92500" lnSpcReduction="10000"/>
+          </a:bodyPr>
           <a:lstStyle/>
           <a:p>
             <a:pPr>
@@ -21522,7 +21546,7 @@
               </a:lnSpc>
             </a:pPr>
             <a:r>
-              <a:rPr lang="en-US" altLang="en-US" b="1" smtClean="0">
+              <a:rPr lang="en-US" altLang="en-US" b="1" dirty="0" smtClean="0">
                 <a:solidFill>
                   <a:srgbClr val="000000"/>
                 </a:solidFill>
@@ -21532,28 +21556,28 @@
               <a:t>counter++ </a:t>
             </a:r>
             <a:r>
-              <a:rPr lang="en-US" altLang="en-US" sz="1600" smtClean="0"/>
+              <a:rPr lang="en-US" altLang="en-US" sz="1600" dirty="0" smtClean="0"/>
               <a:t>could be implemented as</a:t>
             </a:r>
             <a:br>
-              <a:rPr lang="en-US" altLang="en-US" sz="1600" smtClean="0"/>
+              <a:rPr lang="en-US" altLang="en-US" sz="1600" dirty="0" smtClean="0"/>
             </a:br>
             <a:r>
-              <a:rPr lang="en-US" altLang="en-US" sz="1600" smtClean="0"/>
+              <a:rPr lang="en-US" altLang="en-US" sz="1600" dirty="0" smtClean="0"/>
               <a:t/>
             </a:r>
             <a:br>
-              <a:rPr lang="en-US" altLang="en-US" sz="1600" smtClean="0"/>
+              <a:rPr lang="en-US" altLang="en-US" sz="1600" dirty="0" smtClean="0"/>
             </a:br>
             <a:r>
-              <a:rPr lang="en-US" altLang="en-US" sz="1600" b="1" smtClean="0">
+              <a:rPr lang="en-US" altLang="en-US" sz="2000" b="1" dirty="0" smtClean="0">
                 <a:latin typeface="Courier New" pitchFamily="49" charset="0"/>
                 <a:cs typeface="Courier New" pitchFamily="49" charset="0"/>
               </a:rPr>
               <a:t>     </a:t>
             </a:r>
             <a:r>
-              <a:rPr lang="en-US" altLang="en-US" sz="1600" b="1" smtClean="0">
+              <a:rPr lang="en-US" altLang="en-US" sz="2000" b="1" dirty="0" smtClean="0">
                 <a:solidFill>
                   <a:srgbClr val="0000FF"/>
                 </a:solidFill>
@@ -21563,7 +21587,7 @@
               <a:t>register1 = counter</a:t>
             </a:r>
             <a:br>
-              <a:rPr lang="en-US" altLang="en-US" sz="1600" b="1" smtClean="0">
+              <a:rPr lang="en-US" altLang="en-US" sz="2000" b="1" dirty="0" smtClean="0">
                 <a:solidFill>
                   <a:srgbClr val="0000FF"/>
                 </a:solidFill>
@@ -21572,7 +21596,7 @@
               </a:rPr>
             </a:br>
             <a:r>
-              <a:rPr lang="en-US" altLang="en-US" sz="1600" b="1" smtClean="0">
+              <a:rPr lang="en-US" altLang="en-US" sz="2000" b="1" dirty="0" smtClean="0">
                 <a:solidFill>
                   <a:srgbClr val="0000FF"/>
                 </a:solidFill>
@@ -21582,7 +21606,7 @@
               <a:t>     register1 = register1 + 1</a:t>
             </a:r>
             <a:br>
-              <a:rPr lang="en-US" altLang="en-US" sz="1600" b="1" smtClean="0">
+              <a:rPr lang="en-US" altLang="en-US" sz="2000" b="1" dirty="0" smtClean="0">
                 <a:solidFill>
                   <a:srgbClr val="0000FF"/>
                 </a:solidFill>
@@ -21591,7 +21615,7 @@
               </a:rPr>
             </a:br>
             <a:r>
-              <a:rPr lang="en-US" altLang="en-US" sz="1600" b="1" smtClean="0">
+              <a:rPr lang="en-US" altLang="en-US" sz="2000" b="1" dirty="0" smtClean="0">
                 <a:solidFill>
                   <a:srgbClr val="0000FF"/>
                 </a:solidFill>
@@ -21600,7 +21624,7 @@
               </a:rPr>
               <a:t>     counter = register1</a:t>
             </a:r>
-            <a:endParaRPr lang="en-US" altLang="en-US" sz="800" smtClean="0">
+            <a:endParaRPr lang="en-US" altLang="en-US" sz="800" dirty="0" smtClean="0">
               <a:solidFill>
                 <a:srgbClr val="0000FF"/>
               </a:solidFill>
@@ -21613,7 +21637,7 @@
               </a:lnSpc>
             </a:pPr>
             <a:r>
-              <a:rPr lang="en-US" altLang="en-US" b="1" smtClean="0">
+              <a:rPr lang="en-US" altLang="en-US" b="1" dirty="0" smtClean="0">
                 <a:solidFill>
                   <a:srgbClr val="000000"/>
                 </a:solidFill>
@@ -21623,7 +21647,7 @@
               <a:t>counter--</a:t>
             </a:r>
             <a:r>
-              <a:rPr lang="en-US" altLang="en-US" sz="1600" b="1" smtClean="0">
+              <a:rPr lang="en-US" altLang="en-US" sz="1600" b="1" dirty="0" smtClean="0">
                 <a:solidFill>
                   <a:schemeClr val="tx2"/>
                 </a:solidFill>
@@ -21633,28 +21657,28 @@
               <a:t> </a:t>
             </a:r>
             <a:r>
-              <a:rPr lang="en-US" altLang="en-US" sz="1600" smtClean="0"/>
+              <a:rPr lang="en-US" altLang="en-US" sz="1600" dirty="0" smtClean="0"/>
               <a:t>could be implemented as</a:t>
             </a:r>
             <a:br>
-              <a:rPr lang="en-US" altLang="en-US" sz="1600" smtClean="0"/>
+              <a:rPr lang="en-US" altLang="en-US" sz="1600" dirty="0" smtClean="0"/>
             </a:br>
             <a:r>
-              <a:rPr lang="en-US" altLang="en-US" sz="1600" smtClean="0"/>
+              <a:rPr lang="en-US" altLang="en-US" sz="1900" dirty="0" smtClean="0"/>
               <a:t/>
             </a:r>
             <a:br>
-              <a:rPr lang="en-US" altLang="en-US" sz="1600" smtClean="0"/>
+              <a:rPr lang="en-US" altLang="en-US" sz="1900" dirty="0" smtClean="0"/>
             </a:br>
             <a:r>
-              <a:rPr lang="en-US" altLang="en-US" sz="1600" b="1" smtClean="0">
+              <a:rPr lang="en-US" altLang="en-US" sz="1900" b="1" dirty="0" smtClean="0">
                 <a:latin typeface="Courier New" pitchFamily="49" charset="0"/>
                 <a:cs typeface="Courier New" pitchFamily="49" charset="0"/>
               </a:rPr>
               <a:t>     </a:t>
             </a:r>
             <a:r>
-              <a:rPr lang="en-US" altLang="en-US" sz="1600" b="1" smtClean="0">
+              <a:rPr lang="en-US" altLang="en-US" sz="1900" b="1" dirty="0" smtClean="0">
                 <a:solidFill>
                   <a:schemeClr val="tx2"/>
                 </a:solidFill>
@@ -21664,7 +21688,7 @@
               <a:t>register2 = counter</a:t>
             </a:r>
             <a:br>
-              <a:rPr lang="en-US" altLang="en-US" sz="1600" b="1" smtClean="0">
+              <a:rPr lang="en-US" altLang="en-US" sz="1900" b="1" dirty="0" smtClean="0">
                 <a:solidFill>
                   <a:schemeClr val="tx2"/>
                 </a:solidFill>
@@ -21673,7 +21697,7 @@
               </a:rPr>
             </a:br>
             <a:r>
-              <a:rPr lang="en-US" altLang="en-US" sz="1600" b="1" smtClean="0">
+              <a:rPr lang="en-US" altLang="en-US" sz="1900" b="1" dirty="0" smtClean="0">
                 <a:solidFill>
                   <a:schemeClr val="tx2"/>
                 </a:solidFill>
@@ -21683,7 +21707,7 @@
               <a:t>     register2 = register2 - 1</a:t>
             </a:r>
             <a:br>
-              <a:rPr lang="en-US" altLang="en-US" sz="1600" b="1" smtClean="0">
+              <a:rPr lang="en-US" altLang="en-US" sz="1900" b="1" dirty="0" smtClean="0">
                 <a:solidFill>
                   <a:schemeClr val="tx2"/>
                 </a:solidFill>
@@ -21692,7 +21716,7 @@
               </a:rPr>
             </a:br>
             <a:r>
-              <a:rPr lang="en-US" altLang="en-US" sz="1600" b="1" smtClean="0">
+              <a:rPr lang="en-US" altLang="en-US" sz="1900" b="1" dirty="0" smtClean="0">
                 <a:solidFill>
                   <a:schemeClr val="tx2"/>
                 </a:solidFill>
@@ -21710,7 +21734,7 @@
               <a:buFont typeface="Monotype Sorts" pitchFamily="-84" charset="2"/>
               <a:buNone/>
             </a:pPr>
-            <a:endParaRPr lang="en-US" altLang="en-US" sz="800" smtClean="0">
+            <a:endParaRPr lang="en-US" altLang="en-US" sz="800" dirty="0" smtClean="0">
               <a:solidFill>
                 <a:schemeClr val="tx2"/>
               </a:solidFill>
@@ -21723,23 +21747,23 @@
               </a:lnSpc>
             </a:pPr>
             <a:r>
-              <a:rPr lang="en-US" altLang="en-US" sz="1600" smtClean="0"/>
+              <a:rPr lang="en-US" altLang="en-US" sz="2400" dirty="0" smtClean="0"/>
               <a:t>Consider this execution interleaving with </a:t>
             </a:r>
             <a:r>
-              <a:rPr lang="ja-JP" altLang="en-US" sz="1600" smtClean="0"/>
+              <a:rPr lang="ja-JP" altLang="en-US" sz="2400" dirty="0" smtClean="0"/>
               <a:t>“</a:t>
             </a:r>
             <a:r>
-              <a:rPr lang="en-US" altLang="ja-JP" sz="1600" smtClean="0"/>
+              <a:rPr lang="en-US" altLang="ja-JP" sz="2400" dirty="0" smtClean="0"/>
               <a:t>count = 5</a:t>
             </a:r>
             <a:r>
-              <a:rPr lang="ja-JP" altLang="en-US" sz="1600" smtClean="0"/>
+              <a:rPr lang="ja-JP" altLang="en-US" sz="2400" dirty="0" smtClean="0"/>
               <a:t>”</a:t>
             </a:r>
             <a:r>
-              <a:rPr lang="en-US" altLang="ja-JP" sz="1600" smtClean="0"/>
+              <a:rPr lang="en-US" altLang="ja-JP" sz="2400" dirty="0" smtClean="0"/>
               <a:t> initially:</a:t>
             </a:r>
           </a:p>
@@ -21752,11 +21776,11 @@
               <a:buNone/>
             </a:pPr>
             <a:r>
-              <a:rPr lang="en-US" altLang="en-US" sz="1600" smtClean="0"/>
+              <a:rPr lang="en-US" altLang="en-US" sz="2400" dirty="0" smtClean="0"/>
               <a:t>	S0: producer execute </a:t>
             </a:r>
             <a:r>
-              <a:rPr lang="en-US" altLang="en-US" sz="1600" b="1" smtClean="0">
+              <a:rPr lang="en-US" altLang="en-US" sz="2400" b="1" dirty="0" smtClean="0">
                 <a:solidFill>
                   <a:srgbClr val="0000FF"/>
                 </a:solidFill>
@@ -21765,24 +21789,24 @@
               <a:t>register1 = counter</a:t>
             </a:r>
             <a:r>
-              <a:rPr lang="en-US" altLang="en-US" sz="1600" b="1" smtClean="0">
+              <a:rPr lang="en-US" altLang="en-US" sz="2400" b="1" dirty="0" smtClean="0">
                 <a:latin typeface="Courier New" pitchFamily="49" charset="0"/>
               </a:rPr>
               <a:t>         </a:t>
             </a:r>
             <a:r>
-              <a:rPr lang="en-US" altLang="en-US" sz="1600" smtClean="0"/>
+              <a:rPr lang="en-US" altLang="en-US" sz="2400" dirty="0" smtClean="0"/>
               <a:t>{register1 = 5}</a:t>
             </a:r>
             <a:br>
-              <a:rPr lang="en-US" altLang="en-US" sz="1600" smtClean="0"/>
+              <a:rPr lang="en-US" altLang="en-US" sz="2400" dirty="0" smtClean="0"/>
             </a:br>
             <a:r>
-              <a:rPr lang="en-US" altLang="en-US" sz="1600" smtClean="0"/>
+              <a:rPr lang="en-US" altLang="en-US" sz="2400" dirty="0" smtClean="0"/>
               <a:t>S1: producer execute </a:t>
             </a:r>
             <a:r>
-              <a:rPr lang="en-US" altLang="en-US" sz="1600" b="1" smtClean="0">
+              <a:rPr lang="en-US" altLang="en-US" sz="2400" b="1" dirty="0" smtClean="0">
                 <a:solidFill>
                   <a:srgbClr val="0000FF"/>
                 </a:solidFill>
@@ -21791,18 +21815,22 @@
               <a:t>register1 = register1 + 1   </a:t>
             </a:r>
             <a:r>
-              <a:rPr lang="en-US" altLang="en-US" sz="1600" smtClean="0"/>
-              <a:t>{register1 = 6} </a:t>
+              <a:rPr lang="en-US" altLang="en-US" sz="2400" dirty="0" smtClean="0"/>
+              <a:t>{</a:t>
+            </a:r>
+            <a:r>
+              <a:rPr lang="en-US" altLang="en-US" sz="2400" dirty="0" smtClean="0"/>
+              <a:t>register1 = 6} </a:t>
             </a:r>
             <a:br>
-              <a:rPr lang="en-US" altLang="en-US" sz="1600" smtClean="0"/>
+              <a:rPr lang="en-US" altLang="en-US" sz="2400" dirty="0" smtClean="0"/>
             </a:br>
             <a:r>
-              <a:rPr lang="en-US" altLang="en-US" sz="1600" smtClean="0"/>
+              <a:rPr lang="en-US" altLang="en-US" sz="2400" dirty="0" smtClean="0"/>
               <a:t>S2: consumer execute </a:t>
             </a:r>
             <a:r>
-              <a:rPr lang="en-US" altLang="en-US" sz="1600" b="1" smtClean="0">
+              <a:rPr lang="en-US" altLang="en-US" sz="2400" b="1" dirty="0" smtClean="0">
                 <a:solidFill>
                   <a:schemeClr val="tx2"/>
                 </a:solidFill>
@@ -21811,64 +21839,98 @@
               <a:t>register2 = counter</a:t>
             </a:r>
             <a:r>
-              <a:rPr lang="en-US" altLang="en-US" sz="1600" b="1" smtClean="0">
-                <a:latin typeface="Courier New" pitchFamily="49" charset="0"/>
-              </a:rPr>
-              <a:t>        </a:t>
-            </a:r>
-            <a:r>
-              <a:rPr lang="en-US" altLang="en-US" sz="1600" smtClean="0"/>
-              <a:t>{register2 = 5} </a:t>
+              <a:rPr lang="en-US" altLang="en-US" sz="2400" b="1" dirty="0" smtClean="0">
+                <a:latin typeface="Courier New" pitchFamily="49" charset="0"/>
+              </a:rPr>
+              <a:t>      </a:t>
+            </a:r>
+            <a:r>
+              <a:rPr lang="ru-RU" altLang="en-US" sz="2400" b="1" dirty="0" smtClean="0">
+                <a:latin typeface="Courier New" pitchFamily="49" charset="0"/>
+              </a:rPr>
+              <a:t> </a:t>
+            </a:r>
+            <a:r>
+              <a:rPr lang="en-US" altLang="en-US" sz="2400" b="1" dirty="0" smtClean="0">
+                <a:latin typeface="Courier New" pitchFamily="49" charset="0"/>
+              </a:rPr>
+              <a:t> </a:t>
+            </a:r>
+            <a:r>
+              <a:rPr lang="en-US" altLang="en-US" sz="2400" dirty="0" smtClean="0"/>
+              <a:t>{</a:t>
+            </a:r>
+            <a:r>
+              <a:rPr lang="en-US" altLang="en-US" sz="2400" dirty="0" smtClean="0"/>
+              <a:t>register2 = 5} </a:t>
             </a:r>
             <a:br>
-              <a:rPr lang="en-US" altLang="en-US" sz="1600" smtClean="0"/>
+              <a:rPr lang="en-US" altLang="en-US" sz="2400" dirty="0" smtClean="0"/>
             </a:br>
             <a:r>
-              <a:rPr lang="en-US" altLang="en-US" sz="1600" smtClean="0"/>
+              <a:rPr lang="en-US" altLang="en-US" sz="2400" dirty="0" smtClean="0"/>
               <a:t>S3: consumer execute </a:t>
             </a:r>
             <a:r>
-              <a:rPr lang="en-US" altLang="en-US" sz="1600" b="1" smtClean="0">
+              <a:rPr lang="en-US" altLang="en-US" sz="2400" b="1" dirty="0" smtClean="0">
                 <a:solidFill>
                   <a:schemeClr val="tx2"/>
                 </a:solidFill>
                 <a:latin typeface="Courier New" pitchFamily="49" charset="0"/>
               </a:rPr>
-              <a:t>register2 = register2 – 1  </a:t>
-            </a:r>
-            <a:r>
-              <a:rPr lang="en-US" altLang="en-US" sz="1600" smtClean="0"/>
+              <a:t>register2 = register2 – 1 </a:t>
+            </a:r>
+            <a:r>
+              <a:rPr lang="en-US" altLang="en-US" sz="2400" b="1" dirty="0" smtClean="0">
+                <a:solidFill>
+                  <a:schemeClr val="tx2"/>
+                </a:solidFill>
+                <a:latin typeface="Courier New" pitchFamily="49" charset="0"/>
+              </a:rPr>
+              <a:t> </a:t>
+            </a:r>
+            <a:r>
+              <a:rPr lang="en-US" altLang="en-US" sz="2400" dirty="0" smtClean="0"/>
               <a:t>{register2 = 4} </a:t>
             </a:r>
             <a:br>
-              <a:rPr lang="en-US" altLang="en-US" sz="1600" smtClean="0"/>
+              <a:rPr lang="en-US" altLang="en-US" sz="2400" dirty="0" smtClean="0"/>
             </a:br>
             <a:r>
-              <a:rPr lang="en-US" altLang="en-US" sz="1600" smtClean="0"/>
+              <a:rPr lang="en-US" altLang="en-US" sz="2400" dirty="0" smtClean="0"/>
               <a:t>S4: producer execute </a:t>
             </a:r>
             <a:r>
-              <a:rPr lang="en-US" altLang="en-US" sz="1600" b="1" smtClean="0">
+              <a:rPr lang="en-US" altLang="en-US" sz="2400" b="1" dirty="0" smtClean="0">
                 <a:solidFill>
                   <a:srgbClr val="0000FF"/>
                 </a:solidFill>
                 <a:latin typeface="Courier New" pitchFamily="49" charset="0"/>
               </a:rPr>
-              <a:t>counter = register1         </a:t>
-            </a:r>
-            <a:r>
-              <a:rPr lang="en-US" altLang="en-US" sz="1600" smtClean="0"/>
+              <a:t>counter = register1       </a:t>
+            </a:r>
+            <a:r>
+              <a:rPr lang="en-US" altLang="en-US" sz="2400" b="1" dirty="0" smtClean="0">
+                <a:solidFill>
+                  <a:srgbClr val="0000FF"/>
+                </a:solidFill>
+                <a:latin typeface="Courier New" pitchFamily="49" charset="0"/>
+              </a:rPr>
+              <a:t>  </a:t>
+            </a:r>
+            <a:r>
+              <a:rPr lang="en-US" altLang="en-US" sz="2400" dirty="0" smtClean="0"/>
               <a:t>{counter = 6 } </a:t>
             </a:r>
             <a:br>
-              <a:rPr lang="en-US" altLang="en-US" sz="1600" smtClean="0"/>
+              <a:rPr lang="en-US" altLang="en-US" sz="2400" dirty="0" smtClean="0"/>
             </a:br>
             <a:r>
-              <a:rPr lang="en-US" altLang="en-US" sz="1600" smtClean="0"/>
+              <a:rPr lang="en-US" altLang="en-US" sz="2400" dirty="0" smtClean="0"/>
               <a:t>S5: consumer execute </a:t>
             </a:r>
             <a:r>
-              <a:rPr lang="en-US" altLang="en-US" sz="1600" b="1" smtClean="0">
+              <a:rPr lang="en-US" altLang="en-US" sz="2400" b="1" dirty="0" smtClean="0">
                 <a:solidFill>
                   <a:schemeClr val="tx2"/>
                 </a:solidFill>
@@ -21877,7 +21939,7 @@
               <a:t>counter = register2        </a:t>
             </a:r>
             <a:r>
-              <a:rPr lang="en-US" altLang="en-US" sz="1600" smtClean="0"/>
+              <a:rPr lang="en-US" altLang="en-US" sz="2400" dirty="0" smtClean="0"/>
               <a:t>{counter = 4}</a:t>
             </a:r>
           </a:p>
@@ -21889,7 +21951,7 @@
               <a:buFont typeface="Monotype Sorts" pitchFamily="-84" charset="2"/>
               <a:buNone/>
             </a:pPr>
-            <a:endParaRPr lang="en-US" altLang="en-US" smtClean="0"/>
+            <a:endParaRPr lang="en-US" altLang="en-US" dirty="0" smtClean="0"/>
           </a:p>
         </p:txBody>
       </p:sp>
@@ -22052,7 +22114,7 @@
             <a:r>
               <a:rPr lang="en-US" altLang="en-US" b="1" dirty="0" smtClean="0">
                 <a:solidFill>
-                  <a:srgbClr val="3366FF"/>
+                  <a:srgbClr val="F7B217"/>
                 </a:solidFill>
               </a:rPr>
               <a:t>critical section </a:t>
@@ -22094,7 +22156,7 @@
             <a:r>
               <a:rPr lang="en-US" altLang="en-US" b="1" dirty="0" smtClean="0">
                 <a:solidFill>
-                  <a:srgbClr val="3366FF"/>
+                  <a:srgbClr val="F7B217"/>
                 </a:solidFill>
               </a:rPr>
               <a:t>entry section</a:t>
@@ -22106,7 +22168,7 @@
             <a:r>
               <a:rPr lang="en-US" altLang="en-US" b="1" dirty="0" smtClean="0">
                 <a:solidFill>
-                  <a:srgbClr val="3366FF"/>
+                  <a:srgbClr val="F7B217"/>
                 </a:solidFill>
               </a:rPr>
               <a:t>exit section</a:t>
@@ -22118,7 +22180,7 @@
             <a:r>
               <a:rPr lang="en-US" altLang="en-US" b="1" dirty="0" smtClean="0">
                 <a:solidFill>
-                  <a:srgbClr val="3366FF"/>
+                  <a:srgbClr val="F7B217"/>
                 </a:solidFill>
               </a:rPr>
               <a:t>remainder section</a:t>
@@ -22607,7 +22669,7 @@
   <a:extraClrSchemeLst/>
   <a:extLst>
     <a:ext uri="{05A4C25C-085E-4340-85A3-A5531E510DB2}">
-      <thm15:themeFamily xmlns="" xmlns:thm15="http://schemas.microsoft.com/office/thememl/2012/main" name="Office Theme" id="{62F939B6-93AF-4DB8-9C6B-D6C7DFDC589F}" vid="{4A3C46E8-61CC-4603-A589-7422A47A8E4A}"/>
+      <thm15:themeFamily xmlns:thm15="http://schemas.microsoft.com/office/thememl/2012/main" xmlns="" name="Office Theme" id="{62F939B6-93AF-4DB8-9C6B-D6C7DFDC589F}" vid="{4A3C46E8-61CC-4603-A589-7422A47A8E4A}"/>
     </a:ext>
   </a:extLst>
 </a:theme>
@@ -22868,7 +22930,7 @@
   <a:extraClrSchemeLst/>
   <a:extLst>
     <a:ext uri="{05A4C25C-085E-4340-85A3-A5531E510DB2}">
-      <thm15:themeFamily xmlns="" xmlns:thm15="http://schemas.microsoft.com/office/thememl/2012/main" name="Office Theme" id="{62F939B6-93AF-4DB8-9C6B-D6C7DFDC589F}" vid="{4A3C46E8-61CC-4603-A589-7422A47A8E4A}"/>
+      <thm15:themeFamily xmlns:thm15="http://schemas.microsoft.com/office/thememl/2012/main" xmlns="" name="Office Theme" id="{62F939B6-93AF-4DB8-9C6B-D6C7DFDC589F}" vid="{4A3C46E8-61CC-4603-A589-7422A47A8E4A}"/>
     </a:ext>
   </a:extLst>
 </a:theme>
@@ -23129,7 +23191,7 @@
   <a:extraClrSchemeLst/>
   <a:extLst>
     <a:ext uri="{05A4C25C-085E-4340-85A3-A5531E510DB2}">
-      <thm15:themeFamily xmlns="" xmlns:thm15="http://schemas.microsoft.com/office/thememl/2012/main" name="Office Theme" id="{62F939B6-93AF-4DB8-9C6B-D6C7DFDC589F}" vid="{4A3C46E8-61CC-4603-A589-7422A47A8E4A}"/>
+      <thm15:themeFamily xmlns:thm15="http://schemas.microsoft.com/office/thememl/2012/main" xmlns="" name="Office Theme" id="{62F939B6-93AF-4DB8-9C6B-D6C7DFDC589F}" vid="{4A3C46E8-61CC-4603-A589-7422A47A8E4A}"/>
     </a:ext>
   </a:extLst>
 </a:theme>
